--- a/papers/BSc_Presentation.pptx
+++ b/papers/BSc_Presentation.pptx
@@ -2,30 +2,37 @@
 <file path=ppt/presentation.xml><?xml version="1.0" encoding="utf-8"?>
 <p:presentation xmlns:a="http://schemas.openxmlformats.org/drawingml/2006/main" xmlns:r="http://schemas.openxmlformats.org/officeDocument/2006/relationships" xmlns:p="http://schemas.openxmlformats.org/presentationml/2006/main" strictFirstAndLastChars="0" saveSubsetFonts="1">
   <p:sldMasterIdLst>
-    <p:sldMasterId id="2147483662" r:id="rId7"/>
+    <p:sldMasterId id="2147483662" r:id="rId13"/>
   </p:sldMasterIdLst>
   <p:notesMasterIdLst>
-    <p:notesMasterId r:id="rId18"/>
+    <p:notesMasterId r:id="rId31"/>
   </p:notesMasterIdLst>
   <p:handoutMasterIdLst>
-    <p:handoutMasterId r:id="rId19"/>
+    <p:handoutMasterId r:id="rId32"/>
   </p:handoutMasterIdLst>
   <p:sldIdLst>
-    <p:sldId id="260" r:id="rId8"/>
-    <p:sldId id="257" r:id="rId9"/>
-    <p:sldId id="261" r:id="rId10"/>
-    <p:sldId id="262" r:id="rId11"/>
-    <p:sldId id="263" r:id="rId12"/>
-    <p:sldId id="264" r:id="rId13"/>
-    <p:sldId id="265" r:id="rId14"/>
-    <p:sldId id="266" r:id="rId15"/>
-    <p:sldId id="268" r:id="rId16"/>
-    <p:sldId id="267" r:id="rId17"/>
+    <p:sldId id="260" r:id="rId14"/>
+    <p:sldId id="257" r:id="rId15"/>
+    <p:sldId id="261" r:id="rId16"/>
+    <p:sldId id="270" r:id="rId17"/>
+    <p:sldId id="262" r:id="rId18"/>
+    <p:sldId id="273" r:id="rId19"/>
+    <p:sldId id="269" r:id="rId20"/>
+    <p:sldId id="263" r:id="rId21"/>
+    <p:sldId id="264" r:id="rId22"/>
+    <p:sldId id="265" r:id="rId23"/>
+    <p:sldId id="266" r:id="rId24"/>
+    <p:sldId id="272" r:id="rId25"/>
+    <p:sldId id="268" r:id="rId26"/>
+    <p:sldId id="274" r:id="rId27"/>
+    <p:sldId id="275" r:id="rId28"/>
+    <p:sldId id="276" r:id="rId29"/>
+    <p:sldId id="271" r:id="rId30"/>
   </p:sldIdLst>
   <p:sldSz cx="12190413" cy="6858000"/>
   <p:notesSz cx="6858000" cy="9144000"/>
   <p:custDataLst>
-    <p:tags r:id="rId20"/>
+    <p:tags r:id="rId33"/>
   </p:custDataLst>
   <p:defaultTextStyle>
     <a:defPPr>
@@ -479,7 +486,7 @@
                 <a:latin typeface="Arial" panose="020B0604020202020204" pitchFamily="34" charset="0"/>
               </a:rPr>
               <a:pPr/>
-              <a:t>‹nr.›</a:t>
+              <a:t>‹#›</a:t>
             </a:fld>
             <a:endParaRPr lang="da-DK" dirty="0">
               <a:latin typeface="Arial" panose="020B0604020202020204" pitchFamily="34" charset="0"/>
@@ -953,7 +960,7 @@
             <a:fld id="{C734BB09-483B-4C4B-A5A4-C02A22055B01}" type="slidenum">
               <a:rPr lang="da-DK" smtClean="0"/>
               <a:pPr/>
-              <a:t>‹nr.›</a:t>
+              <a:t>‹#›</a:t>
             </a:fld>
             <a:endParaRPr lang="da-DK" dirty="0"/>
           </a:p>
@@ -2246,7 +2253,7 @@
             <a:fld id="{103EA872-A674-449B-A120-B97244F8E91D}" type="slidenum">
               <a:rPr lang="da-DK" smtClean="0"/>
               <a:pPr/>
-              <a:t>‹nr.›</a:t>
+              <a:t>‹#›</a:t>
             </a:fld>
             <a:endParaRPr lang="da-DK" dirty="0"/>
           </a:p>
@@ -2478,7 +2485,7 @@
             <a:fld id="{24C8C45C-947F-4981-8B3F-4F32E973C901}" type="slidenum">
               <a:rPr lang="da-DK" smtClean="0"/>
               <a:pPr/>
-              <a:t>‹nr.›</a:t>
+              <a:t>‹#›</a:t>
             </a:fld>
             <a:endParaRPr lang="da-DK" dirty="0"/>
           </a:p>
@@ -4533,7 +4540,7 @@
             <a:fld id="{24C8C45C-947F-4981-8B3F-4F32E973C901}" type="slidenum">
               <a:rPr lang="da-DK" smtClean="0"/>
               <a:pPr/>
-              <a:t>‹nr.›</a:t>
+              <a:t>‹#›</a:t>
             </a:fld>
             <a:endParaRPr lang="da-DK" dirty="0"/>
           </a:p>
@@ -4856,7 +4863,7 @@
             <a:fld id="{103EA872-A674-449B-A120-B97244F8E91D}" type="slidenum">
               <a:rPr lang="da-DK" smtClean="0"/>
               <a:pPr/>
-              <a:t>‹nr.›</a:t>
+              <a:t>‹#›</a:t>
             </a:fld>
             <a:endParaRPr lang="da-DK" dirty="0"/>
           </a:p>
@@ -5038,7 +5045,7 @@
             <a:fld id="{103EA872-A674-449B-A120-B97244F8E91D}" type="slidenum">
               <a:rPr lang="da-DK" smtClean="0"/>
               <a:pPr/>
-              <a:t>‹nr.›</a:t>
+              <a:t>‹#›</a:t>
             </a:fld>
             <a:endParaRPr lang="da-DK" dirty="0"/>
           </a:p>
@@ -5343,7 +5350,7 @@
             <a:fld id="{103EA872-A674-449B-A120-B97244F8E91D}" type="slidenum">
               <a:rPr lang="da-DK" smtClean="0"/>
               <a:pPr/>
-              <a:t>‹nr.›</a:t>
+              <a:t>‹#›</a:t>
             </a:fld>
             <a:endParaRPr lang="da-DK" dirty="0"/>
           </a:p>
@@ -5626,7 +5633,7 @@
             <a:fld id="{103EA872-A674-449B-A120-B97244F8E91D}" type="slidenum">
               <a:rPr lang="da-DK" smtClean="0"/>
               <a:pPr/>
-              <a:t>‹nr.›</a:t>
+              <a:t>‹#›</a:t>
             </a:fld>
             <a:endParaRPr lang="da-DK" dirty="0"/>
           </a:p>
@@ -5904,7 +5911,7 @@
             <a:fld id="{103EA872-A674-449B-A120-B97244F8E91D}" type="slidenum">
               <a:rPr lang="da-DK" smtClean="0"/>
               <a:pPr/>
-              <a:t>‹nr.›</a:t>
+              <a:t>‹#›</a:t>
             </a:fld>
             <a:endParaRPr lang="da-DK" dirty="0"/>
           </a:p>
@@ -6582,7 +6589,7 @@
             <a:fld id="{103EA872-A674-449B-A120-B97244F8E91D}" type="slidenum">
               <a:rPr lang="da-DK" smtClean="0"/>
               <a:pPr/>
-              <a:t>‹nr.›</a:t>
+              <a:t>‹#›</a:t>
             </a:fld>
             <a:endParaRPr lang="da-DK" dirty="0"/>
           </a:p>
@@ -6712,7 +6719,7 @@
             <a:fld id="{103EA872-A674-449B-A120-B97244F8E91D}" type="slidenum">
               <a:rPr lang="da-DK" smtClean="0"/>
               <a:pPr/>
-              <a:t>‹nr.›</a:t>
+              <a:t>‹#›</a:t>
             </a:fld>
             <a:endParaRPr lang="da-DK" dirty="0"/>
           </a:p>
@@ -6813,7 +6820,7 @@
             <a:fld id="{103EA872-A674-449B-A120-B97244F8E91D}" type="slidenum">
               <a:rPr lang="da-DK" smtClean="0"/>
               <a:pPr/>
-              <a:t>‹nr.›</a:t>
+              <a:t>‹#›</a:t>
             </a:fld>
             <a:endParaRPr lang="da-DK" dirty="0"/>
           </a:p>
@@ -7916,7 +7923,7 @@
             <a:fld id="{103EA872-A674-449B-A120-B97244F8E91D}" type="slidenum">
               <a:rPr lang="da-DK" smtClean="0"/>
               <a:pPr/>
-              <a:t>‹nr.›</a:t>
+              <a:t>‹#›</a:t>
             </a:fld>
             <a:endParaRPr lang="da-DK" dirty="0"/>
           </a:p>
@@ -8900,7 +8907,7 @@
           <p:cNvPr id="2" name="Titel 1">
             <a:extLst>
               <a:ext uri="{FF2B5EF4-FFF2-40B4-BE49-F238E27FC236}">
-                <a16:creationId xmlns:a16="http://schemas.microsoft.com/office/drawing/2014/main" id="{63127DC9-DABA-BC11-510E-DC15A7D74AFD}"/>
+                <a16:creationId xmlns:a16="http://schemas.microsoft.com/office/drawing/2014/main" id="{57E22513-146C-C6AE-9979-9BB00F7E77BC}"/>
               </a:ext>
             </a:extLst>
           </p:cNvPr>
@@ -8918,17 +8925,72 @@
           <a:p>
             <a:r>
               <a:rPr lang="da-DK" dirty="0"/>
-              <a:t>Conclusion and Reflection</a:t>
-            </a:r>
-          </a:p>
-        </p:txBody>
-      </p:sp>
-      <p:sp>
-        <p:nvSpPr>
-          <p:cNvPr id="3" name="Pladsholder til indhold 2">
+              <a:t>Machine Learning Problem</a:t>
+            </a:r>
+          </a:p>
+        </p:txBody>
+      </p:sp>
+      <p:sp>
+        <p:nvSpPr>
+          <p:cNvPr id="4" name="Pladsholder til sidefod 3">
             <a:extLst>
               <a:ext uri="{FF2B5EF4-FFF2-40B4-BE49-F238E27FC236}">
-                <a16:creationId xmlns:a16="http://schemas.microsoft.com/office/drawing/2014/main" id="{0BB664C9-0EB8-2059-A7E8-ADACCA006E41}"/>
+                <a16:creationId xmlns:a16="http://schemas.microsoft.com/office/drawing/2014/main" id="{164C3A07-DDD8-ED5D-4C63-87FFA563ECC6}"/>
+              </a:ext>
+            </a:extLst>
+          </p:cNvPr>
+          <p:cNvSpPr>
+            <a:spLocks noGrp="1"/>
+          </p:cNvSpPr>
+          <p:nvPr>
+            <p:ph type="ftr" sz="quarter" idx="10"/>
+          </p:nvPr>
+        </p:nvSpPr>
+        <p:spPr/>
+        <p:txBody>
+          <a:bodyPr/>
+          <a:lstStyle/>
+          <a:p>
+            <a:endParaRPr lang="da-DK" dirty="0"/>
+          </a:p>
+        </p:txBody>
+      </p:sp>
+      <p:sp>
+        <p:nvSpPr>
+          <p:cNvPr id="5" name="Pladsholder til slidenummer 4">
+            <a:extLst>
+              <a:ext uri="{FF2B5EF4-FFF2-40B4-BE49-F238E27FC236}">
+                <a16:creationId xmlns:a16="http://schemas.microsoft.com/office/drawing/2014/main" id="{BA0AEB67-4548-7089-E8D1-ECCC46EAEC08}"/>
+              </a:ext>
+            </a:extLst>
+          </p:cNvPr>
+          <p:cNvSpPr>
+            <a:spLocks noGrp="1"/>
+          </p:cNvSpPr>
+          <p:nvPr>
+            <p:ph type="sldNum" sz="quarter" idx="11"/>
+          </p:nvPr>
+        </p:nvSpPr>
+        <p:spPr/>
+        <p:txBody>
+          <a:bodyPr/>
+          <a:lstStyle/>
+          <a:p>
+            <a:fld id="{103EA872-A674-449B-A120-B97244F8E91D}" type="slidenum">
+              <a:rPr lang="da-DK" smtClean="0"/>
+              <a:pPr/>
+              <a:t>10</a:t>
+            </a:fld>
+            <a:endParaRPr lang="da-DK" dirty="0"/>
+          </a:p>
+        </p:txBody>
+      </p:sp>
+      <p:sp>
+        <p:nvSpPr>
+          <p:cNvPr id="8" name="Content Placeholder 7">
+            <a:extLst>
+              <a:ext uri="{FF2B5EF4-FFF2-40B4-BE49-F238E27FC236}">
+                <a16:creationId xmlns:a16="http://schemas.microsoft.com/office/drawing/2014/main" id="{B2FE1722-E356-AD2B-748C-FF25203DDE19}"/>
               </a:ext>
             </a:extLst>
           </p:cNvPr>
@@ -8944,7 +9006,146 @@
           <a:bodyPr/>
           <a:lstStyle/>
           <a:p>
-            <a:endParaRPr lang="da-DK"/>
+            <a:r>
+              <a:rPr lang="en-US" dirty="0"/>
+              <a:t>Binary Classification Setting </a:t>
+            </a:r>
+          </a:p>
+          <a:p>
+            <a:pPr lvl="1"/>
+            <a:r>
+              <a:rPr lang="en-US" dirty="0"/>
+              <a:t>Is a given signal ictal or interictal?</a:t>
+            </a:r>
+          </a:p>
+          <a:p>
+            <a:pPr marL="0" indent="0">
+              <a:buNone/>
+            </a:pPr>
+            <a:endParaRPr lang="en-US" dirty="0"/>
+          </a:p>
+          <a:p>
+            <a:r>
+              <a:rPr lang="en-US" dirty="0"/>
+              <a:t>Support Vector Machine</a:t>
+            </a:r>
+          </a:p>
+          <a:p>
+            <a:pPr lvl="1"/>
+            <a:r>
+              <a:rPr lang="en-US" dirty="0"/>
+              <a:t>Radial Basis Function</a:t>
+            </a:r>
+          </a:p>
+          <a:p>
+            <a:pPr marL="216000" lvl="1" indent="0">
+              <a:buNone/>
+            </a:pPr>
+            <a:endParaRPr lang="en-US" dirty="0"/>
+          </a:p>
+          <a:p>
+            <a:r>
+              <a:rPr lang="en-US" dirty="0"/>
+              <a:t>Outcomes</a:t>
+            </a:r>
+          </a:p>
+          <a:p>
+            <a:pPr lvl="1"/>
+            <a:r>
+              <a:rPr lang="en-US" dirty="0"/>
+              <a:t>True Positives (TP)</a:t>
+            </a:r>
+          </a:p>
+          <a:p>
+            <a:pPr lvl="1"/>
+            <a:r>
+              <a:rPr lang="en-US" dirty="0"/>
+              <a:t>True Negatives (TN)</a:t>
+            </a:r>
+          </a:p>
+          <a:p>
+            <a:pPr lvl="1"/>
+            <a:r>
+              <a:rPr lang="en-US" dirty="0"/>
+              <a:t>False Positives (FP)</a:t>
+            </a:r>
+          </a:p>
+          <a:p>
+            <a:pPr lvl="1"/>
+            <a:r>
+              <a:rPr lang="en-US" dirty="0"/>
+              <a:t>False Negatives (FN)</a:t>
+            </a:r>
+          </a:p>
+          <a:p>
+            <a:pPr marL="216000" lvl="1" indent="0">
+              <a:buNone/>
+            </a:pPr>
+            <a:endParaRPr lang="da-DK" dirty="0"/>
+          </a:p>
+          <a:p>
+            <a:pPr marL="216000" lvl="1" indent="0">
+              <a:buNone/>
+            </a:pPr>
+            <a:endParaRPr lang="da-DK" dirty="0"/>
+          </a:p>
+        </p:txBody>
+      </p:sp>
+    </p:spTree>
+    <p:extLst>
+      <p:ext uri="{BB962C8B-B14F-4D97-AF65-F5344CB8AC3E}">
+        <p14:creationId xmlns:p14="http://schemas.microsoft.com/office/powerpoint/2010/main" val="2389754274"/>
+      </p:ext>
+    </p:extLst>
+  </p:cSld>
+  <p:clrMapOvr>
+    <a:masterClrMapping/>
+  </p:clrMapOvr>
+</p:sld>
+</file>
+
+<file path=ppt/slides/slide11.xml><?xml version="1.0" encoding="utf-8"?>
+<p:sld xmlns:a="http://schemas.openxmlformats.org/drawingml/2006/main" xmlns:r="http://schemas.openxmlformats.org/officeDocument/2006/relationships" xmlns:p="http://schemas.openxmlformats.org/presentationml/2006/main">
+  <p:cSld>
+    <p:spTree>
+      <p:nvGrpSpPr>
+        <p:cNvPr id="1" name=""/>
+        <p:cNvGrpSpPr/>
+        <p:nvPr/>
+      </p:nvGrpSpPr>
+      <p:grpSpPr>
+        <a:xfrm>
+          <a:off x="0" y="0"/>
+          <a:ext cx="0" cy="0"/>
+          <a:chOff x="0" y="0"/>
+          <a:chExt cx="0" cy="0"/>
+        </a:xfrm>
+      </p:grpSpPr>
+      <p:sp>
+        <p:nvSpPr>
+          <p:cNvPr id="2" name="Titel 1">
+            <a:extLst>
+              <a:ext uri="{FF2B5EF4-FFF2-40B4-BE49-F238E27FC236}">
+                <a16:creationId xmlns:a16="http://schemas.microsoft.com/office/drawing/2014/main" id="{52D423BB-DD68-7B76-2EFD-7FA940E3B76F}"/>
+              </a:ext>
+            </a:extLst>
+          </p:cNvPr>
+          <p:cNvSpPr>
+            <a:spLocks noGrp="1"/>
+          </p:cNvSpPr>
+          <p:nvPr>
+            <p:ph type="title"/>
+          </p:nvPr>
+        </p:nvSpPr>
+        <p:spPr/>
+        <p:txBody>
+          <a:bodyPr/>
+          <a:lstStyle/>
+          <a:p>
+            <a:r>
+              <a:rPr lang="da-DK" dirty="0"/>
+              <a:t>Performance Evaluation</a:t>
+            </a:r>
           </a:p>
         </p:txBody>
       </p:sp>
@@ -8953,7 +9154,7 @@
           <p:cNvPr id="4" name="Pladsholder til sidefod 3">
             <a:extLst>
               <a:ext uri="{FF2B5EF4-FFF2-40B4-BE49-F238E27FC236}">
-                <a16:creationId xmlns:a16="http://schemas.microsoft.com/office/drawing/2014/main" id="{9B2C01DF-3FD8-5B22-26DE-293BA4578708}"/>
+                <a16:creationId xmlns:a16="http://schemas.microsoft.com/office/drawing/2014/main" id="{C15CA04C-0587-9DDD-0540-088DF7FAC74E}"/>
               </a:ext>
             </a:extLst>
           </p:cNvPr>
@@ -8978,7 +9179,7 @@
           <p:cNvPr id="5" name="Pladsholder til slidenummer 4">
             <a:extLst>
               <a:ext uri="{FF2B5EF4-FFF2-40B4-BE49-F238E27FC236}">
-                <a16:creationId xmlns:a16="http://schemas.microsoft.com/office/drawing/2014/main" id="{E3C25835-A111-399B-B583-B82E97C935FC}"/>
+                <a16:creationId xmlns:a16="http://schemas.microsoft.com/office/drawing/2014/main" id="{77811ECA-F2BE-84D3-7884-3C7AF71F8B0A}"/>
               </a:ext>
             </a:extLst>
           </p:cNvPr>
@@ -8997,16 +9198,1169 @@
             <a:fld id="{103EA872-A674-449B-A120-B97244F8E91D}" type="slidenum">
               <a:rPr lang="da-DK" smtClean="0"/>
               <a:pPr/>
-              <a:t>10</a:t>
+              <a:t>11</a:t>
             </a:fld>
             <a:endParaRPr lang="da-DK" dirty="0"/>
           </a:p>
         </p:txBody>
       </p:sp>
+      <p:pic>
+        <p:nvPicPr>
+          <p:cNvPr id="6" name="Content Placeholder 6">
+            <a:extLst>
+              <a:ext uri="{FF2B5EF4-FFF2-40B4-BE49-F238E27FC236}">
+                <a16:creationId xmlns:a16="http://schemas.microsoft.com/office/drawing/2014/main" id="{5F2F9D2E-8BDB-26FA-BAF4-86412333D456}"/>
+              </a:ext>
+            </a:extLst>
+          </p:cNvPr>
+          <p:cNvPicPr>
+            <a:picLocks noGrp="1" noChangeAspect="1"/>
+          </p:cNvPicPr>
+          <p:nvPr>
+            <p:ph idx="1"/>
+          </p:nvPr>
+        </p:nvPicPr>
+        <p:blipFill>
+          <a:blip r:embed="rId2"/>
+          <a:stretch>
+            <a:fillRect/>
+          </a:stretch>
+        </p:blipFill>
+        <p:spPr>
+          <a:xfrm>
+            <a:off x="6635690" y="2476367"/>
+            <a:ext cx="5087060" cy="1905266"/>
+          </a:xfrm>
+        </p:spPr>
+      </p:pic>
+      <p:pic>
+        <p:nvPicPr>
+          <p:cNvPr id="8" name="Picture 7">
+            <a:extLst>
+              <a:ext uri="{FF2B5EF4-FFF2-40B4-BE49-F238E27FC236}">
+                <a16:creationId xmlns:a16="http://schemas.microsoft.com/office/drawing/2014/main" id="{530752C4-7768-8C7C-21B6-4D6893DB2C91}"/>
+              </a:ext>
+            </a:extLst>
+          </p:cNvPr>
+          <p:cNvPicPr>
+            <a:picLocks noChangeAspect="1"/>
+          </p:cNvPicPr>
+          <p:nvPr/>
+        </p:nvPicPr>
+        <p:blipFill>
+          <a:blip r:embed="rId3"/>
+          <a:stretch>
+            <a:fillRect/>
+          </a:stretch>
+        </p:blipFill>
+        <p:spPr>
+          <a:xfrm>
+            <a:off x="1342678" y="2228682"/>
+            <a:ext cx="3743847" cy="1200318"/>
+          </a:xfrm>
+          <a:prstGeom prst="rect">
+            <a:avLst/>
+          </a:prstGeom>
+        </p:spPr>
+      </p:pic>
+      <p:pic>
+        <p:nvPicPr>
+          <p:cNvPr id="10" name="Picture 9">
+            <a:extLst>
+              <a:ext uri="{FF2B5EF4-FFF2-40B4-BE49-F238E27FC236}">
+                <a16:creationId xmlns:a16="http://schemas.microsoft.com/office/drawing/2014/main" id="{E266048A-11AB-5852-AAB9-C6CC2EB230F5}"/>
+              </a:ext>
+            </a:extLst>
+          </p:cNvPr>
+          <p:cNvPicPr>
+            <a:picLocks noChangeAspect="1"/>
+          </p:cNvPicPr>
+          <p:nvPr/>
+        </p:nvPicPr>
+        <p:blipFill>
+          <a:blip r:embed="rId4"/>
+          <a:stretch>
+            <a:fillRect/>
+          </a:stretch>
+        </p:blipFill>
+        <p:spPr>
+          <a:xfrm>
+            <a:off x="1318210" y="3933056"/>
+            <a:ext cx="5106113" cy="2305372"/>
+          </a:xfrm>
+          <a:prstGeom prst="rect">
+            <a:avLst/>
+          </a:prstGeom>
+        </p:spPr>
+      </p:pic>
     </p:spTree>
     <p:extLst>
       <p:ext uri="{BB962C8B-B14F-4D97-AF65-F5344CB8AC3E}">
-        <p14:creationId xmlns:p14="http://schemas.microsoft.com/office/powerpoint/2010/main" val="2189896083"/>
+        <p14:creationId xmlns:p14="http://schemas.microsoft.com/office/powerpoint/2010/main" val="1461058086"/>
+      </p:ext>
+    </p:extLst>
+  </p:cSld>
+  <p:clrMapOvr>
+    <a:masterClrMapping/>
+  </p:clrMapOvr>
+</p:sld>
+</file>
+
+<file path=ppt/slides/slide12.xml><?xml version="1.0" encoding="utf-8"?>
+<p:sld xmlns:a="http://schemas.openxmlformats.org/drawingml/2006/main" xmlns:r="http://schemas.openxmlformats.org/officeDocument/2006/relationships" xmlns:p="http://schemas.openxmlformats.org/presentationml/2006/main">
+  <p:cSld>
+    <p:spTree>
+      <p:nvGrpSpPr>
+        <p:cNvPr id="1" name=""/>
+        <p:cNvGrpSpPr/>
+        <p:nvPr/>
+      </p:nvGrpSpPr>
+      <p:grpSpPr>
+        <a:xfrm>
+          <a:off x="0" y="0"/>
+          <a:ext cx="0" cy="0"/>
+          <a:chOff x="0" y="0"/>
+          <a:chExt cx="0" cy="0"/>
+        </a:xfrm>
+      </p:grpSpPr>
+      <p:sp>
+        <p:nvSpPr>
+          <p:cNvPr id="4" name="Title 3">
+            <a:extLst>
+              <a:ext uri="{FF2B5EF4-FFF2-40B4-BE49-F238E27FC236}">
+                <a16:creationId xmlns:a16="http://schemas.microsoft.com/office/drawing/2014/main" id="{674358EA-4D5B-461F-997D-DE6729900DE7}"/>
+              </a:ext>
+            </a:extLst>
+          </p:cNvPr>
+          <p:cNvSpPr>
+            <a:spLocks noGrp="1"/>
+          </p:cNvSpPr>
+          <p:nvPr>
+            <p:ph type="ctrTitle"/>
+          </p:nvPr>
+        </p:nvSpPr>
+        <p:spPr/>
+        <p:txBody>
+          <a:bodyPr/>
+          <a:lstStyle/>
+          <a:p>
+            <a:r>
+              <a:rPr lang="en-AU" sz="6000" dirty="0"/>
+              <a:t>Results and Discussion</a:t>
+            </a:r>
+            <a:br>
+              <a:rPr lang="en-AU" sz="6000" dirty="0"/>
+            </a:br>
+            <a:endParaRPr lang="en-AU" sz="6000" dirty="0"/>
+          </a:p>
+        </p:txBody>
+      </p:sp>
+      <p:sp>
+        <p:nvSpPr>
+          <p:cNvPr id="5" name="Subtitle 4">
+            <a:extLst>
+              <a:ext uri="{FF2B5EF4-FFF2-40B4-BE49-F238E27FC236}">
+                <a16:creationId xmlns:a16="http://schemas.microsoft.com/office/drawing/2014/main" id="{88CE6942-A17C-4247-86C6-41FACF7E90AC}"/>
+              </a:ext>
+            </a:extLst>
+          </p:cNvPr>
+          <p:cNvSpPr>
+            <a:spLocks noGrp="1"/>
+          </p:cNvSpPr>
+          <p:nvPr>
+            <p:ph type="subTitle" idx="1"/>
+          </p:nvPr>
+        </p:nvSpPr>
+        <p:spPr/>
+        <p:txBody>
+          <a:bodyPr/>
+          <a:lstStyle/>
+          <a:p>
+            <a:endParaRPr lang="en-US" dirty="0"/>
+          </a:p>
+        </p:txBody>
+      </p:sp>
+      <p:sp>
+        <p:nvSpPr>
+          <p:cNvPr id="2" name="Footer Placeholder 1">
+            <a:extLst>
+              <a:ext uri="{FF2B5EF4-FFF2-40B4-BE49-F238E27FC236}">
+                <a16:creationId xmlns:a16="http://schemas.microsoft.com/office/drawing/2014/main" id="{A45995EB-10E4-4119-B468-5CD7D10A0933}"/>
+              </a:ext>
+            </a:extLst>
+          </p:cNvPr>
+          <p:cNvSpPr>
+            <a:spLocks noGrp="1"/>
+          </p:cNvSpPr>
+          <p:nvPr>
+            <p:ph type="ftr" sz="quarter" idx="16"/>
+          </p:nvPr>
+        </p:nvSpPr>
+        <p:spPr/>
+        <p:txBody>
+          <a:bodyPr/>
+          <a:lstStyle/>
+          <a:p>
+            <a:endParaRPr lang="da-DK" dirty="0"/>
+          </a:p>
+        </p:txBody>
+      </p:sp>
+      <p:sp>
+        <p:nvSpPr>
+          <p:cNvPr id="3" name="Slide Number Placeholder 2">
+            <a:extLst>
+              <a:ext uri="{FF2B5EF4-FFF2-40B4-BE49-F238E27FC236}">
+                <a16:creationId xmlns:a16="http://schemas.microsoft.com/office/drawing/2014/main" id="{0AA221E4-1851-497D-90EE-984C7112166A}"/>
+              </a:ext>
+            </a:extLst>
+          </p:cNvPr>
+          <p:cNvSpPr>
+            <a:spLocks noGrp="1"/>
+          </p:cNvSpPr>
+          <p:nvPr>
+            <p:ph type="sldNum" sz="quarter" idx="17"/>
+          </p:nvPr>
+        </p:nvSpPr>
+        <p:spPr/>
+        <p:txBody>
+          <a:bodyPr/>
+          <a:lstStyle/>
+          <a:p>
+            <a:fld id="{24C8C45C-947F-4981-8B3F-4F32E973C901}" type="slidenum">
+              <a:rPr lang="da-DK" smtClean="0"/>
+              <a:pPr/>
+              <a:t>12</a:t>
+            </a:fld>
+            <a:endParaRPr lang="da-DK" dirty="0"/>
+          </a:p>
+        </p:txBody>
+      </p:sp>
+    </p:spTree>
+    <p:custDataLst>
+      <p:custData r:id="rId1"/>
+      <p:custData r:id="rId2"/>
+    </p:custDataLst>
+    <p:extLst>
+      <p:ext uri="{BB962C8B-B14F-4D97-AF65-F5344CB8AC3E}">
+        <p14:creationId xmlns:p14="http://schemas.microsoft.com/office/powerpoint/2010/main" val="2450677451"/>
+      </p:ext>
+    </p:extLst>
+  </p:cSld>
+  <p:clrMapOvr>
+    <a:masterClrMapping/>
+  </p:clrMapOvr>
+</p:sld>
+</file>
+
+<file path=ppt/slides/slide13.xml><?xml version="1.0" encoding="utf-8"?>
+<p:sld xmlns:a="http://schemas.openxmlformats.org/drawingml/2006/main" xmlns:r="http://schemas.openxmlformats.org/officeDocument/2006/relationships" xmlns:p="http://schemas.openxmlformats.org/presentationml/2006/main">
+  <p:cSld>
+    <p:spTree>
+      <p:nvGrpSpPr>
+        <p:cNvPr id="1" name=""/>
+        <p:cNvGrpSpPr/>
+        <p:nvPr/>
+      </p:nvGrpSpPr>
+      <p:grpSpPr>
+        <a:xfrm>
+          <a:off x="0" y="0"/>
+          <a:ext cx="0" cy="0"/>
+          <a:chOff x="0" y="0"/>
+          <a:chExt cx="0" cy="0"/>
+        </a:xfrm>
+      </p:grpSpPr>
+      <p:sp>
+        <p:nvSpPr>
+          <p:cNvPr id="2" name="Titel 1">
+            <a:extLst>
+              <a:ext uri="{FF2B5EF4-FFF2-40B4-BE49-F238E27FC236}">
+                <a16:creationId xmlns:a16="http://schemas.microsoft.com/office/drawing/2014/main" id="{152D839A-E81B-50DD-DBF3-1E12407D774D}"/>
+              </a:ext>
+            </a:extLst>
+          </p:cNvPr>
+          <p:cNvSpPr>
+            <a:spLocks noGrp="1"/>
+          </p:cNvSpPr>
+          <p:nvPr>
+            <p:ph type="title"/>
+          </p:nvPr>
+        </p:nvSpPr>
+        <p:spPr/>
+        <p:txBody>
+          <a:bodyPr/>
+          <a:lstStyle/>
+          <a:p>
+            <a:r>
+              <a:rPr lang="en-US" dirty="0"/>
+              <a:t>Comparison of PCA and t-SNE </a:t>
+            </a:r>
+            <a:endParaRPr lang="da-DK" dirty="0"/>
+          </a:p>
+        </p:txBody>
+      </p:sp>
+      <p:pic>
+        <p:nvPicPr>
+          <p:cNvPr id="7" name="Content Placeholder 6">
+            <a:extLst>
+              <a:ext uri="{FF2B5EF4-FFF2-40B4-BE49-F238E27FC236}">
+                <a16:creationId xmlns:a16="http://schemas.microsoft.com/office/drawing/2014/main" id="{D48D97A3-4CCC-56B8-7C61-003AE15F5220}"/>
+              </a:ext>
+            </a:extLst>
+          </p:cNvPr>
+          <p:cNvPicPr>
+            <a:picLocks noGrp="1" noChangeAspect="1"/>
+          </p:cNvPicPr>
+          <p:nvPr>
+            <p:ph idx="1"/>
+          </p:nvPr>
+        </p:nvPicPr>
+        <p:blipFill>
+          <a:blip r:embed="rId2"/>
+          <a:stretch>
+            <a:fillRect/>
+          </a:stretch>
+        </p:blipFill>
+        <p:spPr>
+          <a:xfrm>
+            <a:off x="766615" y="1988840"/>
+            <a:ext cx="5812234" cy="3478127"/>
+          </a:xfrm>
+        </p:spPr>
+      </p:pic>
+      <p:sp>
+        <p:nvSpPr>
+          <p:cNvPr id="4" name="Pladsholder til sidefod 3">
+            <a:extLst>
+              <a:ext uri="{FF2B5EF4-FFF2-40B4-BE49-F238E27FC236}">
+                <a16:creationId xmlns:a16="http://schemas.microsoft.com/office/drawing/2014/main" id="{38072ACA-B00D-E57C-D890-C0DE693CAE22}"/>
+              </a:ext>
+            </a:extLst>
+          </p:cNvPr>
+          <p:cNvSpPr>
+            <a:spLocks noGrp="1"/>
+          </p:cNvSpPr>
+          <p:nvPr>
+            <p:ph type="ftr" sz="quarter" idx="10"/>
+          </p:nvPr>
+        </p:nvSpPr>
+        <p:spPr/>
+        <p:txBody>
+          <a:bodyPr/>
+          <a:lstStyle/>
+          <a:p>
+            <a:endParaRPr lang="da-DK" dirty="0"/>
+          </a:p>
+        </p:txBody>
+      </p:sp>
+      <p:sp>
+        <p:nvSpPr>
+          <p:cNvPr id="5" name="Pladsholder til slidenummer 4">
+            <a:extLst>
+              <a:ext uri="{FF2B5EF4-FFF2-40B4-BE49-F238E27FC236}">
+                <a16:creationId xmlns:a16="http://schemas.microsoft.com/office/drawing/2014/main" id="{E6AF9C55-2AE2-40A4-6C22-9AAB22D42480}"/>
+              </a:ext>
+            </a:extLst>
+          </p:cNvPr>
+          <p:cNvSpPr>
+            <a:spLocks noGrp="1"/>
+          </p:cNvSpPr>
+          <p:nvPr>
+            <p:ph type="sldNum" sz="quarter" idx="11"/>
+          </p:nvPr>
+        </p:nvSpPr>
+        <p:spPr/>
+        <p:txBody>
+          <a:bodyPr/>
+          <a:lstStyle/>
+          <a:p>
+            <a:fld id="{103EA872-A674-449B-A120-B97244F8E91D}" type="slidenum">
+              <a:rPr lang="da-DK" smtClean="0"/>
+              <a:pPr/>
+              <a:t>13</a:t>
+            </a:fld>
+            <a:endParaRPr lang="da-DK" dirty="0"/>
+          </a:p>
+        </p:txBody>
+      </p:sp>
+      <p:pic>
+        <p:nvPicPr>
+          <p:cNvPr id="9" name="Picture 8">
+            <a:extLst>
+              <a:ext uri="{FF2B5EF4-FFF2-40B4-BE49-F238E27FC236}">
+                <a16:creationId xmlns:a16="http://schemas.microsoft.com/office/drawing/2014/main" id="{8AA12264-090A-6BE8-D931-68D0FF28DCB8}"/>
+              </a:ext>
+            </a:extLst>
+          </p:cNvPr>
+          <p:cNvPicPr>
+            <a:picLocks noChangeAspect="1"/>
+          </p:cNvPicPr>
+          <p:nvPr/>
+        </p:nvPicPr>
+        <p:blipFill>
+          <a:blip r:embed="rId3"/>
+          <a:stretch>
+            <a:fillRect/>
+          </a:stretch>
+        </p:blipFill>
+        <p:spPr>
+          <a:xfrm>
+            <a:off x="6435061" y="1949376"/>
+            <a:ext cx="5123764" cy="3517591"/>
+          </a:xfrm>
+          <a:prstGeom prst="rect">
+            <a:avLst/>
+          </a:prstGeom>
+        </p:spPr>
+      </p:pic>
+    </p:spTree>
+    <p:extLst>
+      <p:ext uri="{BB962C8B-B14F-4D97-AF65-F5344CB8AC3E}">
+        <p14:creationId xmlns:p14="http://schemas.microsoft.com/office/powerpoint/2010/main" val="2810628170"/>
+      </p:ext>
+    </p:extLst>
+  </p:cSld>
+  <p:clrMapOvr>
+    <a:masterClrMapping/>
+  </p:clrMapOvr>
+</p:sld>
+</file>
+
+<file path=ppt/slides/slide14.xml><?xml version="1.0" encoding="utf-8"?>
+<p:sld xmlns:a="http://schemas.openxmlformats.org/drawingml/2006/main" xmlns:r="http://schemas.openxmlformats.org/officeDocument/2006/relationships" xmlns:p="http://schemas.openxmlformats.org/presentationml/2006/main">
+  <p:cSld>
+    <p:spTree>
+      <p:nvGrpSpPr>
+        <p:cNvPr id="1" name=""/>
+        <p:cNvGrpSpPr/>
+        <p:nvPr/>
+      </p:nvGrpSpPr>
+      <p:grpSpPr>
+        <a:xfrm>
+          <a:off x="0" y="0"/>
+          <a:ext cx="0" cy="0"/>
+          <a:chOff x="0" y="0"/>
+          <a:chExt cx="0" cy="0"/>
+        </a:xfrm>
+      </p:grpSpPr>
+      <p:sp>
+        <p:nvSpPr>
+          <p:cNvPr id="2" name="Title 1">
+            <a:extLst>
+              <a:ext uri="{FF2B5EF4-FFF2-40B4-BE49-F238E27FC236}">
+                <a16:creationId xmlns:a16="http://schemas.microsoft.com/office/drawing/2014/main" id="{1CCAAF4D-6B3F-945D-3031-4B3F41B2EECB}"/>
+              </a:ext>
+            </a:extLst>
+          </p:cNvPr>
+          <p:cNvSpPr>
+            <a:spLocks noGrp="1"/>
+          </p:cNvSpPr>
+          <p:nvPr>
+            <p:ph type="title"/>
+          </p:nvPr>
+        </p:nvSpPr>
+        <p:spPr/>
+        <p:txBody>
+          <a:bodyPr/>
+          <a:lstStyle/>
+          <a:p>
+            <a:r>
+              <a:rPr lang="en-US" dirty="0"/>
+              <a:t>t-SNE in-depth</a:t>
+            </a:r>
+            <a:endParaRPr lang="da-DK" dirty="0"/>
+          </a:p>
+        </p:txBody>
+      </p:sp>
+      <p:pic>
+        <p:nvPicPr>
+          <p:cNvPr id="7" name="Content Placeholder 6">
+            <a:extLst>
+              <a:ext uri="{FF2B5EF4-FFF2-40B4-BE49-F238E27FC236}">
+                <a16:creationId xmlns:a16="http://schemas.microsoft.com/office/drawing/2014/main" id="{736E21FF-A943-ED94-E60B-085A8D6D8E45}"/>
+              </a:ext>
+            </a:extLst>
+          </p:cNvPr>
+          <p:cNvPicPr>
+            <a:picLocks noGrp="1" noChangeAspect="1"/>
+          </p:cNvPicPr>
+          <p:nvPr>
+            <p:ph idx="1"/>
+          </p:nvPr>
+        </p:nvPicPr>
+        <p:blipFill>
+          <a:blip r:embed="rId2"/>
+          <a:stretch>
+            <a:fillRect/>
+          </a:stretch>
+        </p:blipFill>
+        <p:spPr>
+          <a:xfrm>
+            <a:off x="838622" y="2204864"/>
+            <a:ext cx="5688632" cy="3440192"/>
+          </a:xfrm>
+        </p:spPr>
+      </p:pic>
+      <p:sp>
+        <p:nvSpPr>
+          <p:cNvPr id="4" name="Footer Placeholder 3">
+            <a:extLst>
+              <a:ext uri="{FF2B5EF4-FFF2-40B4-BE49-F238E27FC236}">
+                <a16:creationId xmlns:a16="http://schemas.microsoft.com/office/drawing/2014/main" id="{D1614231-AC59-1F2D-DE14-D8318AA214E9}"/>
+              </a:ext>
+            </a:extLst>
+          </p:cNvPr>
+          <p:cNvSpPr>
+            <a:spLocks noGrp="1"/>
+          </p:cNvSpPr>
+          <p:nvPr>
+            <p:ph type="ftr" sz="quarter" idx="10"/>
+          </p:nvPr>
+        </p:nvSpPr>
+        <p:spPr/>
+        <p:txBody>
+          <a:bodyPr/>
+          <a:lstStyle/>
+          <a:p>
+            <a:endParaRPr lang="da-DK" dirty="0"/>
+          </a:p>
+        </p:txBody>
+      </p:sp>
+      <p:sp>
+        <p:nvSpPr>
+          <p:cNvPr id="5" name="Slide Number Placeholder 4">
+            <a:extLst>
+              <a:ext uri="{FF2B5EF4-FFF2-40B4-BE49-F238E27FC236}">
+                <a16:creationId xmlns:a16="http://schemas.microsoft.com/office/drawing/2014/main" id="{AF7F4518-2A5D-E818-B107-11B8F06CC750}"/>
+              </a:ext>
+            </a:extLst>
+          </p:cNvPr>
+          <p:cNvSpPr>
+            <a:spLocks noGrp="1"/>
+          </p:cNvSpPr>
+          <p:nvPr>
+            <p:ph type="sldNum" sz="quarter" idx="11"/>
+          </p:nvPr>
+        </p:nvSpPr>
+        <p:spPr/>
+        <p:txBody>
+          <a:bodyPr/>
+          <a:lstStyle/>
+          <a:p>
+            <a:fld id="{103EA872-A674-449B-A120-B97244F8E91D}" type="slidenum">
+              <a:rPr lang="da-DK" smtClean="0"/>
+              <a:pPr/>
+              <a:t>14</a:t>
+            </a:fld>
+            <a:endParaRPr lang="da-DK" dirty="0"/>
+          </a:p>
+        </p:txBody>
+      </p:sp>
+      <p:pic>
+        <p:nvPicPr>
+          <p:cNvPr id="9" name="Picture 8">
+            <a:extLst>
+              <a:ext uri="{FF2B5EF4-FFF2-40B4-BE49-F238E27FC236}">
+                <a16:creationId xmlns:a16="http://schemas.microsoft.com/office/drawing/2014/main" id="{606770C6-C512-FF74-D6AD-7F553178D545}"/>
+              </a:ext>
+            </a:extLst>
+          </p:cNvPr>
+          <p:cNvPicPr>
+            <a:picLocks noChangeAspect="1"/>
+          </p:cNvPicPr>
+          <p:nvPr/>
+        </p:nvPicPr>
+        <p:blipFill>
+          <a:blip r:embed="rId3"/>
+          <a:stretch>
+            <a:fillRect/>
+          </a:stretch>
+        </p:blipFill>
+        <p:spPr>
+          <a:xfrm>
+            <a:off x="6517589" y="2201165"/>
+            <a:ext cx="5256924" cy="3440193"/>
+          </a:xfrm>
+          <a:prstGeom prst="rect">
+            <a:avLst/>
+          </a:prstGeom>
+        </p:spPr>
+      </p:pic>
+    </p:spTree>
+    <p:extLst>
+      <p:ext uri="{BB962C8B-B14F-4D97-AF65-F5344CB8AC3E}">
+        <p14:creationId xmlns:p14="http://schemas.microsoft.com/office/powerpoint/2010/main" val="1436142952"/>
+      </p:ext>
+    </p:extLst>
+  </p:cSld>
+  <p:clrMapOvr>
+    <a:masterClrMapping/>
+  </p:clrMapOvr>
+</p:sld>
+</file>
+
+<file path=ppt/slides/slide15.xml><?xml version="1.0" encoding="utf-8"?>
+<p:sld xmlns:a="http://schemas.openxmlformats.org/drawingml/2006/main" xmlns:r="http://schemas.openxmlformats.org/officeDocument/2006/relationships" xmlns:p="http://schemas.openxmlformats.org/presentationml/2006/main">
+  <p:cSld>
+    <p:spTree>
+      <p:nvGrpSpPr>
+        <p:cNvPr id="1" name=""/>
+        <p:cNvGrpSpPr/>
+        <p:nvPr/>
+      </p:nvGrpSpPr>
+      <p:grpSpPr>
+        <a:xfrm>
+          <a:off x="0" y="0"/>
+          <a:ext cx="0" cy="0"/>
+          <a:chOff x="0" y="0"/>
+          <a:chExt cx="0" cy="0"/>
+        </a:xfrm>
+      </p:grpSpPr>
+      <p:sp>
+        <p:nvSpPr>
+          <p:cNvPr id="2" name="Title 1">
+            <a:extLst>
+              <a:ext uri="{FF2B5EF4-FFF2-40B4-BE49-F238E27FC236}">
+                <a16:creationId xmlns:a16="http://schemas.microsoft.com/office/drawing/2014/main" id="{B1987DAB-BEAD-607C-F990-95494EE0FC7F}"/>
+              </a:ext>
+            </a:extLst>
+          </p:cNvPr>
+          <p:cNvSpPr>
+            <a:spLocks noGrp="1"/>
+          </p:cNvSpPr>
+          <p:nvPr>
+            <p:ph type="title"/>
+          </p:nvPr>
+        </p:nvSpPr>
+        <p:spPr/>
+        <p:txBody>
+          <a:bodyPr/>
+          <a:lstStyle/>
+          <a:p>
+            <a:r>
+              <a:rPr lang="en-US" dirty="0"/>
+              <a:t>Model Performance</a:t>
+            </a:r>
+            <a:endParaRPr lang="da-DK" dirty="0"/>
+          </a:p>
+        </p:txBody>
+      </p:sp>
+      <p:pic>
+        <p:nvPicPr>
+          <p:cNvPr id="7" name="Content Placeholder 6">
+            <a:extLst>
+              <a:ext uri="{FF2B5EF4-FFF2-40B4-BE49-F238E27FC236}">
+                <a16:creationId xmlns:a16="http://schemas.microsoft.com/office/drawing/2014/main" id="{A1EA43E4-19F3-7862-CC52-07D9DF20E242}"/>
+              </a:ext>
+            </a:extLst>
+          </p:cNvPr>
+          <p:cNvPicPr>
+            <a:picLocks noGrp="1" noChangeAspect="1"/>
+          </p:cNvPicPr>
+          <p:nvPr>
+            <p:ph idx="1"/>
+          </p:nvPr>
+        </p:nvPicPr>
+        <p:blipFill>
+          <a:blip r:embed="rId2"/>
+          <a:stretch>
+            <a:fillRect/>
+          </a:stretch>
+        </p:blipFill>
+        <p:spPr>
+          <a:xfrm>
+            <a:off x="7391350" y="1556792"/>
+            <a:ext cx="4484050" cy="3234605"/>
+          </a:xfrm>
+        </p:spPr>
+      </p:pic>
+      <p:sp>
+        <p:nvSpPr>
+          <p:cNvPr id="4" name="Footer Placeholder 3">
+            <a:extLst>
+              <a:ext uri="{FF2B5EF4-FFF2-40B4-BE49-F238E27FC236}">
+                <a16:creationId xmlns:a16="http://schemas.microsoft.com/office/drawing/2014/main" id="{31843E3A-AB3B-F57F-D570-A6D5824ED267}"/>
+              </a:ext>
+            </a:extLst>
+          </p:cNvPr>
+          <p:cNvSpPr>
+            <a:spLocks noGrp="1"/>
+          </p:cNvSpPr>
+          <p:nvPr>
+            <p:ph type="ftr" sz="quarter" idx="10"/>
+          </p:nvPr>
+        </p:nvSpPr>
+        <p:spPr/>
+        <p:txBody>
+          <a:bodyPr/>
+          <a:lstStyle/>
+          <a:p>
+            <a:endParaRPr lang="da-DK" dirty="0"/>
+          </a:p>
+        </p:txBody>
+      </p:sp>
+      <p:sp>
+        <p:nvSpPr>
+          <p:cNvPr id="5" name="Slide Number Placeholder 4">
+            <a:extLst>
+              <a:ext uri="{FF2B5EF4-FFF2-40B4-BE49-F238E27FC236}">
+                <a16:creationId xmlns:a16="http://schemas.microsoft.com/office/drawing/2014/main" id="{6C8E2925-CFCC-336B-8132-35921EC6E3DA}"/>
+              </a:ext>
+            </a:extLst>
+          </p:cNvPr>
+          <p:cNvSpPr>
+            <a:spLocks noGrp="1"/>
+          </p:cNvSpPr>
+          <p:nvPr>
+            <p:ph type="sldNum" sz="quarter" idx="11"/>
+          </p:nvPr>
+        </p:nvSpPr>
+        <p:spPr/>
+        <p:txBody>
+          <a:bodyPr/>
+          <a:lstStyle/>
+          <a:p>
+            <a:fld id="{103EA872-A674-449B-A120-B97244F8E91D}" type="slidenum">
+              <a:rPr lang="da-DK" smtClean="0"/>
+              <a:pPr/>
+              <a:t>15</a:t>
+            </a:fld>
+            <a:endParaRPr lang="da-DK" dirty="0"/>
+          </a:p>
+        </p:txBody>
+      </p:sp>
+      <p:pic>
+        <p:nvPicPr>
+          <p:cNvPr id="11" name="Picture 10">
+            <a:extLst>
+              <a:ext uri="{FF2B5EF4-FFF2-40B4-BE49-F238E27FC236}">
+                <a16:creationId xmlns:a16="http://schemas.microsoft.com/office/drawing/2014/main" id="{9752E0D0-AC6E-E351-225A-5A0BAB21B0DF}"/>
+              </a:ext>
+            </a:extLst>
+          </p:cNvPr>
+          <p:cNvPicPr>
+            <a:picLocks noChangeAspect="1"/>
+          </p:cNvPicPr>
+          <p:nvPr/>
+        </p:nvPicPr>
+        <p:blipFill>
+          <a:blip r:embed="rId3"/>
+          <a:stretch>
+            <a:fillRect/>
+          </a:stretch>
+        </p:blipFill>
+        <p:spPr>
+          <a:xfrm>
+            <a:off x="1486693" y="5157192"/>
+            <a:ext cx="5058481" cy="952633"/>
+          </a:xfrm>
+          <a:prstGeom prst="rect">
+            <a:avLst/>
+          </a:prstGeom>
+        </p:spPr>
+      </p:pic>
+      <p:pic>
+        <p:nvPicPr>
+          <p:cNvPr id="13" name="Picture 12">
+            <a:extLst>
+              <a:ext uri="{FF2B5EF4-FFF2-40B4-BE49-F238E27FC236}">
+                <a16:creationId xmlns:a16="http://schemas.microsoft.com/office/drawing/2014/main" id="{2C4DCBB5-AAF8-E808-780A-553DE0E55BA8}"/>
+              </a:ext>
+            </a:extLst>
+          </p:cNvPr>
+          <p:cNvPicPr>
+            <a:picLocks noChangeAspect="1"/>
+          </p:cNvPicPr>
+          <p:nvPr/>
+        </p:nvPicPr>
+        <p:blipFill>
+          <a:blip r:embed="rId4"/>
+          <a:stretch>
+            <a:fillRect/>
+          </a:stretch>
+        </p:blipFill>
+        <p:spPr>
+          <a:xfrm>
+            <a:off x="7972182" y="5184196"/>
+            <a:ext cx="3534268" cy="800212"/>
+          </a:xfrm>
+          <a:prstGeom prst="rect">
+            <a:avLst/>
+          </a:prstGeom>
+        </p:spPr>
+      </p:pic>
+      <p:pic>
+        <p:nvPicPr>
+          <p:cNvPr id="15" name="Picture 14">
+            <a:extLst>
+              <a:ext uri="{FF2B5EF4-FFF2-40B4-BE49-F238E27FC236}">
+                <a16:creationId xmlns:a16="http://schemas.microsoft.com/office/drawing/2014/main" id="{997EA1DD-1874-8406-F2A6-F6C4EDAA571C}"/>
+              </a:ext>
+            </a:extLst>
+          </p:cNvPr>
+          <p:cNvPicPr>
+            <a:picLocks noChangeAspect="1"/>
+          </p:cNvPicPr>
+          <p:nvPr/>
+        </p:nvPicPr>
+        <p:blipFill>
+          <a:blip r:embed="rId5"/>
+          <a:stretch>
+            <a:fillRect/>
+          </a:stretch>
+        </p:blipFill>
+        <p:spPr>
+          <a:xfrm>
+            <a:off x="1396216" y="1871445"/>
+            <a:ext cx="5144218" cy="3115110"/>
+          </a:xfrm>
+          <a:prstGeom prst="rect">
+            <a:avLst/>
+          </a:prstGeom>
+        </p:spPr>
+      </p:pic>
+    </p:spTree>
+    <p:extLst>
+      <p:ext uri="{BB962C8B-B14F-4D97-AF65-F5344CB8AC3E}">
+        <p14:creationId xmlns:p14="http://schemas.microsoft.com/office/powerpoint/2010/main" val="1661600453"/>
+      </p:ext>
+    </p:extLst>
+  </p:cSld>
+  <p:clrMapOvr>
+    <a:masterClrMapping/>
+  </p:clrMapOvr>
+</p:sld>
+</file>
+
+<file path=ppt/slides/slide16.xml><?xml version="1.0" encoding="utf-8"?>
+<p:sld xmlns:a="http://schemas.openxmlformats.org/drawingml/2006/main" xmlns:r="http://schemas.openxmlformats.org/officeDocument/2006/relationships" xmlns:p="http://schemas.openxmlformats.org/presentationml/2006/main">
+  <p:cSld>
+    <p:spTree>
+      <p:nvGrpSpPr>
+        <p:cNvPr id="1" name=""/>
+        <p:cNvGrpSpPr/>
+        <p:nvPr/>
+      </p:nvGrpSpPr>
+      <p:grpSpPr>
+        <a:xfrm>
+          <a:off x="0" y="0"/>
+          <a:ext cx="0" cy="0"/>
+          <a:chOff x="0" y="0"/>
+          <a:chExt cx="0" cy="0"/>
+        </a:xfrm>
+      </p:grpSpPr>
+      <p:sp>
+        <p:nvSpPr>
+          <p:cNvPr id="2" name="Title 1">
+            <a:extLst>
+              <a:ext uri="{FF2B5EF4-FFF2-40B4-BE49-F238E27FC236}">
+                <a16:creationId xmlns:a16="http://schemas.microsoft.com/office/drawing/2014/main" id="{8EA8B416-0BF0-A65C-02C6-9A0CA1CA5214}"/>
+              </a:ext>
+            </a:extLst>
+          </p:cNvPr>
+          <p:cNvSpPr>
+            <a:spLocks noGrp="1"/>
+          </p:cNvSpPr>
+          <p:nvPr>
+            <p:ph type="title"/>
+          </p:nvPr>
+        </p:nvSpPr>
+        <p:spPr/>
+        <p:txBody>
+          <a:bodyPr/>
+          <a:lstStyle/>
+          <a:p>
+            <a:r>
+              <a:rPr lang="en-US" dirty="0"/>
+              <a:t>Alternative Approaches &amp; Future Work</a:t>
+            </a:r>
+            <a:endParaRPr lang="da-DK" dirty="0"/>
+          </a:p>
+        </p:txBody>
+      </p:sp>
+      <p:sp>
+        <p:nvSpPr>
+          <p:cNvPr id="3" name="Content Placeholder 2">
+            <a:extLst>
+              <a:ext uri="{FF2B5EF4-FFF2-40B4-BE49-F238E27FC236}">
+                <a16:creationId xmlns:a16="http://schemas.microsoft.com/office/drawing/2014/main" id="{A5F7CAC6-0F82-9D32-1274-3CBACA7B690D}"/>
+              </a:ext>
+            </a:extLst>
+          </p:cNvPr>
+          <p:cNvSpPr>
+            <a:spLocks noGrp="1"/>
+          </p:cNvSpPr>
+          <p:nvPr>
+            <p:ph idx="1"/>
+          </p:nvPr>
+        </p:nvSpPr>
+        <p:spPr/>
+        <p:txBody>
+          <a:bodyPr/>
+          <a:lstStyle/>
+          <a:p>
+            <a:r>
+              <a:rPr lang="en-US" dirty="0"/>
+              <a:t>Hyperparameter Optimization</a:t>
+            </a:r>
+          </a:p>
+          <a:p>
+            <a:endParaRPr lang="en-US" dirty="0"/>
+          </a:p>
+          <a:p>
+            <a:r>
+              <a:rPr lang="en-US" dirty="0"/>
+              <a:t>Ictal and Interictal segments </a:t>
+            </a:r>
+          </a:p>
+          <a:p>
+            <a:endParaRPr lang="en-US" dirty="0"/>
+          </a:p>
+          <a:p>
+            <a:r>
+              <a:rPr lang="en-US" dirty="0"/>
+              <a:t>Shortcomings of t-SNE </a:t>
+            </a:r>
+          </a:p>
+          <a:p>
+            <a:pPr lvl="1"/>
+            <a:r>
+              <a:rPr lang="en-US" dirty="0"/>
+              <a:t>Similarity between points are preserved, not distances between clusters</a:t>
+            </a:r>
+          </a:p>
+          <a:p>
+            <a:pPr lvl="1"/>
+            <a:r>
+              <a:rPr lang="en-US" dirty="0"/>
+              <a:t>Unknown how well it will generalize on other datasets</a:t>
+            </a:r>
+          </a:p>
+          <a:p>
+            <a:pPr lvl="1"/>
+            <a:endParaRPr lang="en-US" dirty="0"/>
+          </a:p>
+          <a:p>
+            <a:r>
+              <a:rPr lang="en-US" dirty="0"/>
+              <a:t>Forecasting Epileptic Seizures</a:t>
+            </a:r>
+          </a:p>
+          <a:p>
+            <a:pPr lvl="1"/>
+            <a:r>
+              <a:rPr lang="en-US" dirty="0"/>
+              <a:t>RNN (LSTM or newer popular “Transformer” network)</a:t>
+            </a:r>
+          </a:p>
+          <a:p>
+            <a:pPr marL="216000" lvl="1" indent="0">
+              <a:buNone/>
+            </a:pPr>
+            <a:endParaRPr lang="en-US" dirty="0"/>
+          </a:p>
+        </p:txBody>
+      </p:sp>
+      <p:sp>
+        <p:nvSpPr>
+          <p:cNvPr id="4" name="Footer Placeholder 3">
+            <a:extLst>
+              <a:ext uri="{FF2B5EF4-FFF2-40B4-BE49-F238E27FC236}">
+                <a16:creationId xmlns:a16="http://schemas.microsoft.com/office/drawing/2014/main" id="{ADD90815-E6C5-6523-01F8-47FF4CC4BF35}"/>
+              </a:ext>
+            </a:extLst>
+          </p:cNvPr>
+          <p:cNvSpPr>
+            <a:spLocks noGrp="1"/>
+          </p:cNvSpPr>
+          <p:nvPr>
+            <p:ph type="ftr" sz="quarter" idx="10"/>
+          </p:nvPr>
+        </p:nvSpPr>
+        <p:spPr/>
+        <p:txBody>
+          <a:bodyPr/>
+          <a:lstStyle/>
+          <a:p>
+            <a:endParaRPr lang="da-DK" dirty="0"/>
+          </a:p>
+        </p:txBody>
+      </p:sp>
+      <p:sp>
+        <p:nvSpPr>
+          <p:cNvPr id="5" name="Slide Number Placeholder 4">
+            <a:extLst>
+              <a:ext uri="{FF2B5EF4-FFF2-40B4-BE49-F238E27FC236}">
+                <a16:creationId xmlns:a16="http://schemas.microsoft.com/office/drawing/2014/main" id="{3BC2ED87-31F9-4631-6B84-C3A5322DF9A2}"/>
+              </a:ext>
+            </a:extLst>
+          </p:cNvPr>
+          <p:cNvSpPr>
+            <a:spLocks noGrp="1"/>
+          </p:cNvSpPr>
+          <p:nvPr>
+            <p:ph type="sldNum" sz="quarter" idx="11"/>
+          </p:nvPr>
+        </p:nvSpPr>
+        <p:spPr/>
+        <p:txBody>
+          <a:bodyPr/>
+          <a:lstStyle/>
+          <a:p>
+            <a:fld id="{103EA872-A674-449B-A120-B97244F8E91D}" type="slidenum">
+              <a:rPr lang="da-DK" smtClean="0"/>
+              <a:pPr/>
+              <a:t>16</a:t>
+            </a:fld>
+            <a:endParaRPr lang="da-DK" dirty="0"/>
+          </a:p>
+        </p:txBody>
+      </p:sp>
+    </p:spTree>
+    <p:extLst>
+      <p:ext uri="{BB962C8B-B14F-4D97-AF65-F5344CB8AC3E}">
+        <p14:creationId xmlns:p14="http://schemas.microsoft.com/office/powerpoint/2010/main" val="3410791368"/>
+      </p:ext>
+    </p:extLst>
+  </p:cSld>
+  <p:clrMapOvr>
+    <a:masterClrMapping/>
+  </p:clrMapOvr>
+</p:sld>
+</file>
+
+<file path=ppt/slides/slide17.xml><?xml version="1.0" encoding="utf-8"?>
+<p:sld xmlns:a="http://schemas.openxmlformats.org/drawingml/2006/main" xmlns:r="http://schemas.openxmlformats.org/officeDocument/2006/relationships" xmlns:p="http://schemas.openxmlformats.org/presentationml/2006/main">
+  <p:cSld>
+    <p:spTree>
+      <p:nvGrpSpPr>
+        <p:cNvPr id="1" name=""/>
+        <p:cNvGrpSpPr/>
+        <p:nvPr/>
+      </p:nvGrpSpPr>
+      <p:grpSpPr>
+        <a:xfrm>
+          <a:off x="0" y="0"/>
+          <a:ext cx="0" cy="0"/>
+          <a:chOff x="0" y="0"/>
+          <a:chExt cx="0" cy="0"/>
+        </a:xfrm>
+      </p:grpSpPr>
+      <p:sp>
+        <p:nvSpPr>
+          <p:cNvPr id="4" name="Title 3">
+            <a:extLst>
+              <a:ext uri="{FF2B5EF4-FFF2-40B4-BE49-F238E27FC236}">
+                <a16:creationId xmlns:a16="http://schemas.microsoft.com/office/drawing/2014/main" id="{674358EA-4D5B-461F-997D-DE6729900DE7}"/>
+              </a:ext>
+            </a:extLst>
+          </p:cNvPr>
+          <p:cNvSpPr>
+            <a:spLocks noGrp="1"/>
+          </p:cNvSpPr>
+          <p:nvPr>
+            <p:ph type="ctrTitle"/>
+          </p:nvPr>
+        </p:nvSpPr>
+        <p:spPr/>
+        <p:txBody>
+          <a:bodyPr/>
+          <a:lstStyle/>
+          <a:p>
+            <a:r>
+              <a:rPr lang="en-AU" sz="6000" dirty="0"/>
+              <a:t>Conclusion</a:t>
+            </a:r>
+          </a:p>
+        </p:txBody>
+      </p:sp>
+      <p:sp>
+        <p:nvSpPr>
+          <p:cNvPr id="5" name="Subtitle 4">
+            <a:extLst>
+              <a:ext uri="{FF2B5EF4-FFF2-40B4-BE49-F238E27FC236}">
+                <a16:creationId xmlns:a16="http://schemas.microsoft.com/office/drawing/2014/main" id="{88CE6942-A17C-4247-86C6-41FACF7E90AC}"/>
+              </a:ext>
+            </a:extLst>
+          </p:cNvPr>
+          <p:cNvSpPr>
+            <a:spLocks noGrp="1"/>
+          </p:cNvSpPr>
+          <p:nvPr>
+            <p:ph type="subTitle" idx="1"/>
+          </p:nvPr>
+        </p:nvSpPr>
+        <p:spPr/>
+        <p:txBody>
+          <a:bodyPr/>
+          <a:lstStyle/>
+          <a:p>
+            <a:endParaRPr lang="en-US" dirty="0"/>
+          </a:p>
+        </p:txBody>
+      </p:sp>
+      <p:sp>
+        <p:nvSpPr>
+          <p:cNvPr id="2" name="Footer Placeholder 1">
+            <a:extLst>
+              <a:ext uri="{FF2B5EF4-FFF2-40B4-BE49-F238E27FC236}">
+                <a16:creationId xmlns:a16="http://schemas.microsoft.com/office/drawing/2014/main" id="{A45995EB-10E4-4119-B468-5CD7D10A0933}"/>
+              </a:ext>
+            </a:extLst>
+          </p:cNvPr>
+          <p:cNvSpPr>
+            <a:spLocks noGrp="1"/>
+          </p:cNvSpPr>
+          <p:nvPr>
+            <p:ph type="ftr" sz="quarter" idx="16"/>
+          </p:nvPr>
+        </p:nvSpPr>
+        <p:spPr/>
+        <p:txBody>
+          <a:bodyPr/>
+          <a:lstStyle/>
+          <a:p>
+            <a:endParaRPr lang="da-DK" dirty="0"/>
+          </a:p>
+        </p:txBody>
+      </p:sp>
+      <p:sp>
+        <p:nvSpPr>
+          <p:cNvPr id="3" name="Slide Number Placeholder 2">
+            <a:extLst>
+              <a:ext uri="{FF2B5EF4-FFF2-40B4-BE49-F238E27FC236}">
+                <a16:creationId xmlns:a16="http://schemas.microsoft.com/office/drawing/2014/main" id="{0AA221E4-1851-497D-90EE-984C7112166A}"/>
+              </a:ext>
+            </a:extLst>
+          </p:cNvPr>
+          <p:cNvSpPr>
+            <a:spLocks noGrp="1"/>
+          </p:cNvSpPr>
+          <p:nvPr>
+            <p:ph type="sldNum" sz="quarter" idx="17"/>
+          </p:nvPr>
+        </p:nvSpPr>
+        <p:spPr/>
+        <p:txBody>
+          <a:bodyPr/>
+          <a:lstStyle/>
+          <a:p>
+            <a:fld id="{24C8C45C-947F-4981-8B3F-4F32E973C901}" type="slidenum">
+              <a:rPr lang="da-DK" smtClean="0"/>
+              <a:pPr/>
+              <a:t>17</a:t>
+            </a:fld>
+            <a:endParaRPr lang="da-DK" dirty="0"/>
+          </a:p>
+        </p:txBody>
+      </p:sp>
+    </p:spTree>
+    <p:custDataLst>
+      <p:custData r:id="rId1"/>
+      <p:custData r:id="rId2"/>
+    </p:custDataLst>
+    <p:extLst>
+      <p:ext uri="{BB962C8B-B14F-4D97-AF65-F5344CB8AC3E}">
+        <p14:creationId xmlns:p14="http://schemas.microsoft.com/office/powerpoint/2010/main" val="310941138"/>
       </p:ext>
     </p:extLst>
   </p:cSld>
@@ -9302,6 +10656,405 @@
   <p:clrMapOvr>
     <a:masterClrMapping/>
   </p:clrMapOvr>
+  <p:timing>
+    <p:tnLst>
+      <p:par>
+        <p:cTn id="1" dur="indefinite" restart="never" nodeType="tmRoot">
+          <p:childTnLst>
+            <p:seq concurrent="1" nextAc="seek">
+              <p:cTn id="2" dur="indefinite" nodeType="mainSeq">
+                <p:childTnLst>
+                  <p:par>
+                    <p:cTn id="3" fill="hold">
+                      <p:stCondLst>
+                        <p:cond delay="indefinite"/>
+                      </p:stCondLst>
+                      <p:childTnLst>
+                        <p:par>
+                          <p:cTn id="4" fill="hold">
+                            <p:stCondLst>
+                              <p:cond delay="0"/>
+                            </p:stCondLst>
+                            <p:childTnLst>
+                              <p:par>
+                                <p:cTn id="5" presetID="1" presetClass="entr" presetSubtype="0" fill="hold" nodeType="clickEffect">
+                                  <p:stCondLst>
+                                    <p:cond delay="0"/>
+                                  </p:stCondLst>
+                                  <p:childTnLst>
+                                    <p:set>
+                                      <p:cBhvr>
+                                        <p:cTn id="6" dur="1" fill="hold">
+                                          <p:stCondLst>
+                                            <p:cond delay="0"/>
+                                          </p:stCondLst>
+                                        </p:cTn>
+                                        <p:tgtEl>
+                                          <p:spTgt spid="6">
+                                            <p:txEl>
+                                              <p:pRg st="2" end="2"/>
+                                            </p:txEl>
+                                          </p:spTgt>
+                                        </p:tgtEl>
+                                        <p:attrNameLst>
+                                          <p:attrName>style.visibility</p:attrName>
+                                        </p:attrNameLst>
+                                      </p:cBhvr>
+                                      <p:to>
+                                        <p:strVal val="visible"/>
+                                      </p:to>
+                                    </p:set>
+                                  </p:childTnLst>
+                                </p:cTn>
+                              </p:par>
+                            </p:childTnLst>
+                          </p:cTn>
+                        </p:par>
+                      </p:childTnLst>
+                    </p:cTn>
+                  </p:par>
+                  <p:par>
+                    <p:cTn id="7" fill="hold">
+                      <p:stCondLst>
+                        <p:cond delay="indefinite"/>
+                      </p:stCondLst>
+                      <p:childTnLst>
+                        <p:par>
+                          <p:cTn id="8" fill="hold">
+                            <p:stCondLst>
+                              <p:cond delay="0"/>
+                            </p:stCondLst>
+                            <p:childTnLst>
+                              <p:par>
+                                <p:cTn id="9" presetID="1" presetClass="entr" presetSubtype="0" fill="hold" nodeType="clickEffect">
+                                  <p:stCondLst>
+                                    <p:cond delay="0"/>
+                                  </p:stCondLst>
+                                  <p:childTnLst>
+                                    <p:set>
+                                      <p:cBhvr>
+                                        <p:cTn id="10" dur="1" fill="hold">
+                                          <p:stCondLst>
+                                            <p:cond delay="0"/>
+                                          </p:stCondLst>
+                                        </p:cTn>
+                                        <p:tgtEl>
+                                          <p:spTgt spid="6">
+                                            <p:txEl>
+                                              <p:pRg st="4" end="4"/>
+                                            </p:txEl>
+                                          </p:spTgt>
+                                        </p:tgtEl>
+                                        <p:attrNameLst>
+                                          <p:attrName>style.visibility</p:attrName>
+                                        </p:attrNameLst>
+                                      </p:cBhvr>
+                                      <p:to>
+                                        <p:strVal val="visible"/>
+                                      </p:to>
+                                    </p:set>
+                                  </p:childTnLst>
+                                </p:cTn>
+                              </p:par>
+                            </p:childTnLst>
+                          </p:cTn>
+                        </p:par>
+                      </p:childTnLst>
+                    </p:cTn>
+                  </p:par>
+                  <p:par>
+                    <p:cTn id="11" fill="hold">
+                      <p:stCondLst>
+                        <p:cond delay="indefinite"/>
+                      </p:stCondLst>
+                      <p:childTnLst>
+                        <p:par>
+                          <p:cTn id="12" fill="hold">
+                            <p:stCondLst>
+                              <p:cond delay="0"/>
+                            </p:stCondLst>
+                            <p:childTnLst>
+                              <p:par>
+                                <p:cTn id="13" presetID="1" presetClass="entr" presetSubtype="0" fill="hold" nodeType="clickEffect">
+                                  <p:stCondLst>
+                                    <p:cond delay="0"/>
+                                  </p:stCondLst>
+                                  <p:childTnLst>
+                                    <p:set>
+                                      <p:cBhvr>
+                                        <p:cTn id="14" dur="1" fill="hold">
+                                          <p:stCondLst>
+                                            <p:cond delay="0"/>
+                                          </p:stCondLst>
+                                        </p:cTn>
+                                        <p:tgtEl>
+                                          <p:spTgt spid="6">
+                                            <p:txEl>
+                                              <p:pRg st="6" end="6"/>
+                                            </p:txEl>
+                                          </p:spTgt>
+                                        </p:tgtEl>
+                                        <p:attrNameLst>
+                                          <p:attrName>style.visibility</p:attrName>
+                                        </p:attrNameLst>
+                                      </p:cBhvr>
+                                      <p:to>
+                                        <p:strVal val="visible"/>
+                                      </p:to>
+                                    </p:set>
+                                  </p:childTnLst>
+                                </p:cTn>
+                              </p:par>
+                              <p:par>
+                                <p:cTn id="15" presetID="1" presetClass="entr" presetSubtype="0" fill="hold" nodeType="withEffect">
+                                  <p:stCondLst>
+                                    <p:cond delay="0"/>
+                                  </p:stCondLst>
+                                  <p:childTnLst>
+                                    <p:set>
+                                      <p:cBhvr>
+                                        <p:cTn id="16" dur="1" fill="hold">
+                                          <p:stCondLst>
+                                            <p:cond delay="0"/>
+                                          </p:stCondLst>
+                                        </p:cTn>
+                                        <p:tgtEl>
+                                          <p:spTgt spid="6">
+                                            <p:txEl>
+                                              <p:pRg st="7" end="7"/>
+                                            </p:txEl>
+                                          </p:spTgt>
+                                        </p:tgtEl>
+                                        <p:attrNameLst>
+                                          <p:attrName>style.visibility</p:attrName>
+                                        </p:attrNameLst>
+                                      </p:cBhvr>
+                                      <p:to>
+                                        <p:strVal val="visible"/>
+                                      </p:to>
+                                    </p:set>
+                                  </p:childTnLst>
+                                </p:cTn>
+                              </p:par>
+                              <p:par>
+                                <p:cTn id="17" presetID="1" presetClass="entr" presetSubtype="0" fill="hold" nodeType="withEffect">
+                                  <p:stCondLst>
+                                    <p:cond delay="0"/>
+                                  </p:stCondLst>
+                                  <p:childTnLst>
+                                    <p:set>
+                                      <p:cBhvr>
+                                        <p:cTn id="18" dur="1" fill="hold">
+                                          <p:stCondLst>
+                                            <p:cond delay="0"/>
+                                          </p:stCondLst>
+                                        </p:cTn>
+                                        <p:tgtEl>
+                                          <p:spTgt spid="6">
+                                            <p:txEl>
+                                              <p:pRg st="8" end="8"/>
+                                            </p:txEl>
+                                          </p:spTgt>
+                                        </p:tgtEl>
+                                        <p:attrNameLst>
+                                          <p:attrName>style.visibility</p:attrName>
+                                        </p:attrNameLst>
+                                      </p:cBhvr>
+                                      <p:to>
+                                        <p:strVal val="visible"/>
+                                      </p:to>
+                                    </p:set>
+                                  </p:childTnLst>
+                                </p:cTn>
+                              </p:par>
+                              <p:par>
+                                <p:cTn id="19" presetID="1" presetClass="entr" presetSubtype="0" fill="hold" nodeType="withEffect">
+                                  <p:stCondLst>
+                                    <p:cond delay="0"/>
+                                  </p:stCondLst>
+                                  <p:childTnLst>
+                                    <p:set>
+                                      <p:cBhvr>
+                                        <p:cTn id="20" dur="1" fill="hold">
+                                          <p:stCondLst>
+                                            <p:cond delay="0"/>
+                                          </p:stCondLst>
+                                        </p:cTn>
+                                        <p:tgtEl>
+                                          <p:spTgt spid="6">
+                                            <p:txEl>
+                                              <p:pRg st="9" end="9"/>
+                                            </p:txEl>
+                                          </p:spTgt>
+                                        </p:tgtEl>
+                                        <p:attrNameLst>
+                                          <p:attrName>style.visibility</p:attrName>
+                                        </p:attrNameLst>
+                                      </p:cBhvr>
+                                      <p:to>
+                                        <p:strVal val="visible"/>
+                                      </p:to>
+                                    </p:set>
+                                  </p:childTnLst>
+                                </p:cTn>
+                              </p:par>
+                              <p:par>
+                                <p:cTn id="21" presetID="1" presetClass="entr" presetSubtype="0" fill="hold" nodeType="withEffect">
+                                  <p:stCondLst>
+                                    <p:cond delay="0"/>
+                                  </p:stCondLst>
+                                  <p:childTnLst>
+                                    <p:set>
+                                      <p:cBhvr>
+                                        <p:cTn id="22" dur="1" fill="hold">
+                                          <p:stCondLst>
+                                            <p:cond delay="0"/>
+                                          </p:stCondLst>
+                                        </p:cTn>
+                                        <p:tgtEl>
+                                          <p:spTgt spid="6">
+                                            <p:txEl>
+                                              <p:pRg st="10" end="10"/>
+                                            </p:txEl>
+                                          </p:spTgt>
+                                        </p:tgtEl>
+                                        <p:attrNameLst>
+                                          <p:attrName>style.visibility</p:attrName>
+                                        </p:attrNameLst>
+                                      </p:cBhvr>
+                                      <p:to>
+                                        <p:strVal val="visible"/>
+                                      </p:to>
+                                    </p:set>
+                                  </p:childTnLst>
+                                </p:cTn>
+                              </p:par>
+                            </p:childTnLst>
+                          </p:cTn>
+                        </p:par>
+                      </p:childTnLst>
+                    </p:cTn>
+                  </p:par>
+                  <p:par>
+                    <p:cTn id="23" fill="hold">
+                      <p:stCondLst>
+                        <p:cond delay="indefinite"/>
+                      </p:stCondLst>
+                      <p:childTnLst>
+                        <p:par>
+                          <p:cTn id="24" fill="hold">
+                            <p:stCondLst>
+                              <p:cond delay="0"/>
+                            </p:stCondLst>
+                            <p:childTnLst>
+                              <p:par>
+                                <p:cTn id="25" presetID="1" presetClass="entr" presetSubtype="0" fill="hold" nodeType="clickEffect">
+                                  <p:stCondLst>
+                                    <p:cond delay="0"/>
+                                  </p:stCondLst>
+                                  <p:childTnLst>
+                                    <p:set>
+                                      <p:cBhvr>
+                                        <p:cTn id="26" dur="1" fill="hold">
+                                          <p:stCondLst>
+                                            <p:cond delay="0"/>
+                                          </p:stCondLst>
+                                        </p:cTn>
+                                        <p:tgtEl>
+                                          <p:spTgt spid="6">
+                                            <p:txEl>
+                                              <p:pRg st="12" end="12"/>
+                                            </p:txEl>
+                                          </p:spTgt>
+                                        </p:tgtEl>
+                                        <p:attrNameLst>
+                                          <p:attrName>style.visibility</p:attrName>
+                                        </p:attrNameLst>
+                                      </p:cBhvr>
+                                      <p:to>
+                                        <p:strVal val="visible"/>
+                                      </p:to>
+                                    </p:set>
+                                  </p:childTnLst>
+                                </p:cTn>
+                              </p:par>
+                            </p:childTnLst>
+                          </p:cTn>
+                        </p:par>
+                      </p:childTnLst>
+                    </p:cTn>
+                  </p:par>
+                  <p:par>
+                    <p:cTn id="27" fill="hold">
+                      <p:stCondLst>
+                        <p:cond delay="indefinite"/>
+                      </p:stCondLst>
+                      <p:childTnLst>
+                        <p:par>
+                          <p:cTn id="28" fill="hold">
+                            <p:stCondLst>
+                              <p:cond delay="0"/>
+                            </p:stCondLst>
+                            <p:childTnLst>
+                              <p:par>
+                                <p:cTn id="29" presetID="1" presetClass="entr" presetSubtype="0" fill="hold" nodeType="clickEffect">
+                                  <p:stCondLst>
+                                    <p:cond delay="0"/>
+                                  </p:stCondLst>
+                                  <p:childTnLst>
+                                    <p:set>
+                                      <p:cBhvr>
+                                        <p:cTn id="30" dur="1" fill="hold">
+                                          <p:stCondLst>
+                                            <p:cond delay="0"/>
+                                          </p:stCondLst>
+                                        </p:cTn>
+                                        <p:tgtEl>
+                                          <p:spTgt spid="6">
+                                            <p:txEl>
+                                              <p:pRg st="14" end="14"/>
+                                            </p:txEl>
+                                          </p:spTgt>
+                                        </p:tgtEl>
+                                        <p:attrNameLst>
+                                          <p:attrName>style.visibility</p:attrName>
+                                        </p:attrNameLst>
+                                      </p:cBhvr>
+                                      <p:to>
+                                        <p:strVal val="visible"/>
+                                      </p:to>
+                                    </p:set>
+                                  </p:childTnLst>
+                                </p:cTn>
+                              </p:par>
+                            </p:childTnLst>
+                          </p:cTn>
+                        </p:par>
+                      </p:childTnLst>
+                    </p:cTn>
+                  </p:par>
+                </p:childTnLst>
+              </p:cTn>
+              <p:prevCondLst>
+                <p:cond evt="onPrev" delay="0">
+                  <p:tgtEl>
+                    <p:sldTgt/>
+                  </p:tgtEl>
+                </p:cond>
+              </p:prevCondLst>
+              <p:nextCondLst>
+                <p:cond evt="onNext" delay="0">
+                  <p:tgtEl>
+                    <p:sldTgt/>
+                  </p:tgtEl>
+                </p:cond>
+              </p:nextCondLst>
+            </p:seq>
+          </p:childTnLst>
+        </p:cTn>
+      </p:par>
+    </p:tnLst>
+  </p:timing>
 </p:sld>
 </file>
 
@@ -9373,165 +11126,60 @@
           <a:p>
             <a:r>
               <a:rPr lang="da-DK" dirty="0"/>
-              <a:t>50 million </a:t>
-            </a:r>
-            <a:r>
-              <a:rPr lang="da-DK" dirty="0" err="1"/>
-              <a:t>people</a:t>
-            </a:r>
-            <a:r>
-              <a:rPr lang="da-DK" dirty="0"/>
-              <a:t> </a:t>
-            </a:r>
-            <a:r>
-              <a:rPr lang="da-DK" dirty="0" err="1"/>
-              <a:t>suffer</a:t>
-            </a:r>
-            <a:r>
-              <a:rPr lang="da-DK" dirty="0"/>
-              <a:t> from </a:t>
-            </a:r>
-            <a:r>
-              <a:rPr lang="da-DK" dirty="0" err="1"/>
-              <a:t>epileptic</a:t>
-            </a:r>
-            <a:r>
-              <a:rPr lang="da-DK" dirty="0"/>
-              <a:t> </a:t>
-            </a:r>
-            <a:r>
-              <a:rPr lang="da-DK" dirty="0" err="1"/>
-              <a:t>seizures</a:t>
-            </a:r>
-            <a:r>
-              <a:rPr lang="da-DK" dirty="0"/>
-              <a:t> </a:t>
-            </a:r>
-            <a:r>
-              <a:rPr lang="da-DK" dirty="0" err="1"/>
-              <a:t>today</a:t>
-            </a:r>
+              <a:t>50 million people suffer from epileptic seizures today</a:t>
+            </a:r>
+          </a:p>
+          <a:p>
             <a:endParaRPr lang="da-DK" dirty="0"/>
           </a:p>
           <a:p>
-            <a:endParaRPr lang="da-DK" dirty="0"/>
-          </a:p>
-          <a:p>
-            <a:r>
-              <a:rPr lang="da-DK" dirty="0" err="1"/>
-              <a:t>Electroencephalography</a:t>
-            </a:r>
-            <a:r>
-              <a:rPr lang="da-DK" dirty="0"/>
-              <a:t> (EEG)</a:t>
-            </a:r>
-          </a:p>
-          <a:p>
-            <a:endParaRPr lang="da-DK" dirty="0"/>
-          </a:p>
-          <a:p>
-            <a:r>
-              <a:rPr lang="da-DK" dirty="0"/>
-              <a:t>Statistical Features </a:t>
-            </a:r>
-            <a:r>
-              <a:rPr lang="da-DK" dirty="0" err="1"/>
-              <a:t>extracted</a:t>
-            </a:r>
-            <a:r>
-              <a:rPr lang="da-DK" dirty="0"/>
-              <a:t> from DWT </a:t>
-            </a:r>
-            <a:r>
-              <a:rPr lang="da-DK" dirty="0" err="1"/>
-              <a:t>coefficients</a:t>
-            </a:r>
-            <a:r>
-              <a:rPr lang="da-DK" dirty="0"/>
-              <a:t> by Chen et al., but of </a:t>
-            </a:r>
-            <a:r>
-              <a:rPr lang="da-DK" dirty="0" err="1"/>
-              <a:t>rather</a:t>
-            </a:r>
-            <a:r>
-              <a:rPr lang="da-DK" dirty="0"/>
-              <a:t> a high dimension</a:t>
-            </a:r>
-          </a:p>
-          <a:p>
-            <a:endParaRPr lang="da-DK" dirty="0"/>
-          </a:p>
-          <a:p>
-            <a:r>
-              <a:rPr lang="da-DK" dirty="0" err="1"/>
-              <a:t>Recreate</a:t>
-            </a:r>
-            <a:r>
-              <a:rPr lang="da-DK" dirty="0"/>
-              <a:t> Features </a:t>
-            </a:r>
-            <a:r>
-              <a:rPr lang="da-DK" dirty="0" err="1"/>
-              <a:t>based</a:t>
-            </a:r>
-            <a:r>
-              <a:rPr lang="da-DK" dirty="0"/>
-              <a:t> on Chen et al.</a:t>
-            </a:r>
-          </a:p>
-          <a:p>
-            <a:r>
-              <a:rPr lang="da-DK" dirty="0" err="1"/>
-              <a:t>Investigate</a:t>
-            </a:r>
-            <a:r>
-              <a:rPr lang="da-DK" dirty="0"/>
-              <a:t> </a:t>
-            </a:r>
-            <a:r>
-              <a:rPr lang="da-DK" dirty="0" err="1"/>
-              <a:t>if</a:t>
-            </a:r>
-            <a:r>
-              <a:rPr lang="da-DK" dirty="0"/>
-              <a:t> </a:t>
-            </a:r>
-            <a:r>
-              <a:rPr lang="da-DK" dirty="0" err="1"/>
-              <a:t>reduced</a:t>
-            </a:r>
-            <a:r>
-              <a:rPr lang="da-DK" dirty="0"/>
-              <a:t> features </a:t>
-            </a:r>
-            <a:r>
-              <a:rPr lang="da-DK" dirty="0" err="1"/>
-              <a:t>can</a:t>
-            </a:r>
-            <a:r>
-              <a:rPr lang="da-DK" dirty="0"/>
-              <a:t> </a:t>
-            </a:r>
-            <a:r>
-              <a:rPr lang="da-DK" dirty="0" err="1"/>
-              <a:t>be</a:t>
-            </a:r>
-            <a:r>
-              <a:rPr lang="da-DK" dirty="0"/>
-              <a:t> </a:t>
-            </a:r>
-            <a:r>
-              <a:rPr lang="da-DK" dirty="0" err="1"/>
-              <a:t>used</a:t>
-            </a:r>
-            <a:r>
-              <a:rPr lang="da-DK" dirty="0"/>
-              <a:t>. </a:t>
-            </a:r>
-          </a:p>
-          <a:p>
-            <a:endParaRPr lang="da-DK" dirty="0"/>
+            <a:r>
+              <a:rPr lang="en-AU" dirty="0">
+                <a:latin typeface="Times New Roman" panose="02020603050405020304" pitchFamily="18" charset="0"/>
+                <a:cs typeface="Times New Roman" panose="02020603050405020304" pitchFamily="18" charset="0"/>
+              </a:rPr>
+              <a:t>”A High-Performance Seizure Detection Algorithm based on Discrete Wavelet Transform (DWT) and EEG” – Chen et al., 2017 </a:t>
+            </a:r>
+          </a:p>
+          <a:p>
+            <a:endParaRPr lang="en-AU" dirty="0">
+              <a:latin typeface="Times New Roman" panose="02020603050405020304" pitchFamily="18" charset="0"/>
+              <a:cs typeface="Times New Roman" panose="02020603050405020304" pitchFamily="18" charset="0"/>
+            </a:endParaRPr>
+          </a:p>
+          <a:p>
+            <a:r>
+              <a:rPr lang="en-AU" dirty="0">
+                <a:latin typeface="Times New Roman" panose="02020603050405020304" pitchFamily="18" charset="0"/>
+                <a:cs typeface="Times New Roman" panose="02020603050405020304" pitchFamily="18" charset="0"/>
+              </a:rPr>
+              <a:t>The paper investigates the five frequency bands for EEG with different wavelet families and selects different statistical features of the bands for binary classification</a:t>
+            </a:r>
+          </a:p>
+          <a:p>
+            <a:pPr marL="0" indent="0">
+              <a:buNone/>
+            </a:pPr>
+            <a:endParaRPr lang="en-AU" dirty="0">
+              <a:latin typeface="Times New Roman" panose="02020603050405020304" pitchFamily="18" charset="0"/>
+              <a:cs typeface="Times New Roman" panose="02020603050405020304" pitchFamily="18" charset="0"/>
+            </a:endParaRPr>
+          </a:p>
+          <a:p>
+            <a:r>
+              <a:rPr lang="en-AU" dirty="0">
+                <a:latin typeface="Times New Roman" panose="02020603050405020304" pitchFamily="18" charset="0"/>
+                <a:cs typeface="Times New Roman" panose="02020603050405020304" pitchFamily="18" charset="0"/>
+              </a:rPr>
+              <a:t>Accuracy: 92.30%,  Sensitivity: 91.71%, Specificity: 92.89%</a:t>
+            </a:r>
+            <a:endParaRPr lang="en-AU" dirty="0"/>
+          </a:p>
+          <a:p>
+            <a:endParaRPr lang="en-AU" dirty="0">
+              <a:latin typeface="Times New Roman" panose="02020603050405020304" pitchFamily="18" charset="0"/>
+              <a:cs typeface="Times New Roman" panose="02020603050405020304" pitchFamily="18" charset="0"/>
+            </a:endParaRPr>
           </a:p>
         </p:txBody>
       </p:sp>
@@ -9600,6 +11248,85 @@
   <p:clrMapOvr>
     <a:masterClrMapping/>
   </p:clrMapOvr>
+  <p:timing>
+    <p:tnLst>
+      <p:par>
+        <p:cTn id="1" dur="indefinite" restart="never" nodeType="tmRoot">
+          <p:childTnLst>
+            <p:seq concurrent="1" nextAc="seek">
+              <p:cTn id="2" dur="indefinite" nodeType="mainSeq">
+                <p:childTnLst>
+                  <p:par>
+                    <p:cTn id="3" fill="hold">
+                      <p:stCondLst>
+                        <p:cond delay="indefinite"/>
+                      </p:stCondLst>
+                      <p:childTnLst>
+                        <p:par>
+                          <p:cTn id="4" fill="hold">
+                            <p:stCondLst>
+                              <p:cond delay="0"/>
+                            </p:stCondLst>
+                            <p:childTnLst>
+                              <p:par>
+                                <p:cTn id="5" presetID="1" presetClass="entr" presetSubtype="0" fill="hold" nodeType="clickEffect">
+                                  <p:stCondLst>
+                                    <p:cond delay="0"/>
+                                  </p:stCondLst>
+                                  <p:childTnLst>
+                                    <p:set>
+                                      <p:cBhvr>
+                                        <p:cTn id="6" dur="1" fill="hold">
+                                          <p:stCondLst>
+                                            <p:cond delay="0"/>
+                                          </p:stCondLst>
+                                        </p:cTn>
+                                        <p:tgtEl>
+                                          <p:spTgt spid="3">
+                                            <p:txEl>
+                                              <p:pRg st="0" end="0"/>
+                                            </p:txEl>
+                                          </p:spTgt>
+                                        </p:tgtEl>
+                                        <p:attrNameLst>
+                                          <p:attrName>style.visibility</p:attrName>
+                                        </p:attrNameLst>
+                                      </p:cBhvr>
+                                      <p:to>
+                                        <p:strVal val="visible"/>
+                                      </p:to>
+                                    </p:set>
+                                  </p:childTnLst>
+                                </p:cTn>
+                              </p:par>
+                            </p:childTnLst>
+                          </p:cTn>
+                        </p:par>
+                      </p:childTnLst>
+                    </p:cTn>
+                  </p:par>
+                </p:childTnLst>
+              </p:cTn>
+              <p:prevCondLst>
+                <p:cond evt="onPrev" delay="0">
+                  <p:tgtEl>
+                    <p:sldTgt/>
+                  </p:tgtEl>
+                </p:cond>
+              </p:prevCondLst>
+              <p:nextCondLst>
+                <p:cond evt="onNext" delay="0">
+                  <p:tgtEl>
+                    <p:sldTgt/>
+                  </p:tgtEl>
+                </p:cond>
+              </p:nextCondLst>
+            </p:seq>
+          </p:childTnLst>
+        </p:cTn>
+      </p:par>
+    </p:tnLst>
+  </p:timing>
 </p:sld>
 </file>
 
@@ -9622,10 +11349,10 @@
       </p:grpSpPr>
       <p:sp>
         <p:nvSpPr>
-          <p:cNvPr id="2" name="Titel 1">
+          <p:cNvPr id="2" name="Title 1">
             <a:extLst>
               <a:ext uri="{FF2B5EF4-FFF2-40B4-BE49-F238E27FC236}">
-                <a16:creationId xmlns:a16="http://schemas.microsoft.com/office/drawing/2014/main" id="{CFD151F0-4BC4-E92D-7520-B34865227CF6}"/>
+                <a16:creationId xmlns:a16="http://schemas.microsoft.com/office/drawing/2014/main" id="{6132DE22-4C8F-B9D7-2576-E33A63818D58}"/>
               </a:ext>
             </a:extLst>
           </p:cNvPr>
@@ -9642,18 +11369,19 @@
           <a:lstStyle/>
           <a:p>
             <a:r>
-              <a:rPr lang="da-DK" dirty="0"/>
-              <a:t>Data</a:t>
-            </a:r>
-          </a:p>
-        </p:txBody>
-      </p:sp>
-      <p:sp>
-        <p:nvSpPr>
-          <p:cNvPr id="3" name="Pladsholder til indhold 2">
+              <a:rPr lang="en-US" dirty="0"/>
+              <a:t>Project Aim</a:t>
+            </a:r>
+            <a:endParaRPr lang="da-DK" dirty="0"/>
+          </a:p>
+        </p:txBody>
+      </p:sp>
+      <p:sp>
+        <p:nvSpPr>
+          <p:cNvPr id="3" name="Content Placeholder 2">
             <a:extLst>
               <a:ext uri="{FF2B5EF4-FFF2-40B4-BE49-F238E27FC236}">
-                <a16:creationId xmlns:a16="http://schemas.microsoft.com/office/drawing/2014/main" id="{3D4C6AB9-FB08-9CE3-6A8D-61B75B21E0DE}"/>
+                <a16:creationId xmlns:a16="http://schemas.microsoft.com/office/drawing/2014/main" id="{F4F26A94-04C0-9890-5287-6551A41AA1DB}"/>
               </a:ext>
             </a:extLst>
           </p:cNvPr>
@@ -9669,16 +11397,49 @@
           <a:bodyPr/>
           <a:lstStyle/>
           <a:p>
-            <a:endParaRPr lang="da-DK"/>
-          </a:p>
-        </p:txBody>
-      </p:sp>
-      <p:sp>
-        <p:nvSpPr>
-          <p:cNvPr id="4" name="Pladsholder til sidefod 3">
+            <a:pPr marL="400050" indent="-400050">
+              <a:buFont typeface="+mj-lt"/>
+              <a:buAutoNum type="romanLcPeriod"/>
+            </a:pPr>
+            <a:r>
+              <a:rPr lang="en-US" b="0" i="0" dirty="0">
+                <a:effectLst/>
+                <a:latin typeface="Arial" panose="020B0604020202020204" pitchFamily="34" charset="0"/>
+              </a:rPr>
+              <a:t>extract the statistical feature vectors using the same  configurations for DWT like Chen et al.</a:t>
+            </a:r>
+          </a:p>
+          <a:p>
+            <a:pPr marL="400050" indent="-400050">
+              <a:buFont typeface="+mj-lt"/>
+              <a:buAutoNum type="romanLcPeriod"/>
+            </a:pPr>
+            <a:endParaRPr lang="en-US" dirty="0">
+              <a:latin typeface="Arial" panose="020B0604020202020204" pitchFamily="34" charset="0"/>
+            </a:endParaRPr>
+          </a:p>
+          <a:p>
+            <a:pPr marL="400050" indent="-400050">
+              <a:buFont typeface="+mj-lt"/>
+              <a:buAutoNum type="romanLcPeriod"/>
+            </a:pPr>
+            <a:r>
+              <a:rPr lang="en-US" b="0" i="0" dirty="0">
+                <a:effectLst/>
+                <a:latin typeface="Arial" panose="020B0604020202020204" pitchFamily="34" charset="0"/>
+              </a:rPr>
+              <a:t>investigate whether the dimensionality reduction methods PCA and t-SNE on the statistical feature vectors can be used to predict just as well in a binary classification setting</a:t>
+            </a:r>
+            <a:endParaRPr lang="da-DK" dirty="0"/>
+          </a:p>
+        </p:txBody>
+      </p:sp>
+      <p:sp>
+        <p:nvSpPr>
+          <p:cNvPr id="4" name="Footer Placeholder 3">
             <a:extLst>
               <a:ext uri="{FF2B5EF4-FFF2-40B4-BE49-F238E27FC236}">
-                <a16:creationId xmlns:a16="http://schemas.microsoft.com/office/drawing/2014/main" id="{90C56605-CDB8-80AD-5073-4560E7F4104D}"/>
+                <a16:creationId xmlns:a16="http://schemas.microsoft.com/office/drawing/2014/main" id="{743F2E73-D46E-053E-868E-F6F085D1736D}"/>
               </a:ext>
             </a:extLst>
           </p:cNvPr>
@@ -9700,10 +11461,10 @@
       </p:sp>
       <p:sp>
         <p:nvSpPr>
-          <p:cNvPr id="5" name="Pladsholder til slidenummer 4">
+          <p:cNvPr id="5" name="Slide Number Placeholder 4">
             <a:extLst>
               <a:ext uri="{FF2B5EF4-FFF2-40B4-BE49-F238E27FC236}">
-                <a16:creationId xmlns:a16="http://schemas.microsoft.com/office/drawing/2014/main" id="{0AA94771-431E-0520-82A6-7E897C378C6D}"/>
+                <a16:creationId xmlns:a16="http://schemas.microsoft.com/office/drawing/2014/main" id="{073CB75F-AFC4-F641-1224-62102DDA98CD}"/>
               </a:ext>
             </a:extLst>
           </p:cNvPr>
@@ -9731,7 +11492,7 @@
     </p:spTree>
     <p:extLst>
       <p:ext uri="{BB962C8B-B14F-4D97-AF65-F5344CB8AC3E}">
-        <p14:creationId xmlns:p14="http://schemas.microsoft.com/office/powerpoint/2010/main" val="2034921015"/>
+        <p14:creationId xmlns:p14="http://schemas.microsoft.com/office/powerpoint/2010/main" val="2031449709"/>
       </p:ext>
     </p:extLst>
   </p:cSld>
@@ -9763,7 +11524,7 @@
           <p:cNvPr id="2" name="Titel 1">
             <a:extLst>
               <a:ext uri="{FF2B5EF4-FFF2-40B4-BE49-F238E27FC236}">
-                <a16:creationId xmlns:a16="http://schemas.microsoft.com/office/drawing/2014/main" id="{50A43BA7-67E8-8B9B-8AC7-DF37F9BC5323}"/>
+                <a16:creationId xmlns:a16="http://schemas.microsoft.com/office/drawing/2014/main" id="{CFD151F0-4BC4-E92D-7520-B34865227CF6}"/>
               </a:ext>
             </a:extLst>
           </p:cNvPr>
@@ -9781,7 +11542,7 @@
           <a:p>
             <a:r>
               <a:rPr lang="da-DK" dirty="0"/>
-              <a:t>EEG Signals</a:t>
+              <a:t>Data</a:t>
             </a:r>
           </a:p>
         </p:txBody>
@@ -9791,7 +11552,7 @@
           <p:cNvPr id="3" name="Pladsholder til indhold 2">
             <a:extLst>
               <a:ext uri="{FF2B5EF4-FFF2-40B4-BE49-F238E27FC236}">
-                <a16:creationId xmlns:a16="http://schemas.microsoft.com/office/drawing/2014/main" id="{CDE5DD89-EDD9-8356-632C-B020910D9EF6}"/>
+                <a16:creationId xmlns:a16="http://schemas.microsoft.com/office/drawing/2014/main" id="{3D4C6AB9-FB08-9CE3-6A8D-61B75B21E0DE}"/>
               </a:ext>
             </a:extLst>
           </p:cNvPr>
@@ -9802,12 +11563,52 @@
             <p:ph idx="1"/>
           </p:nvPr>
         </p:nvSpPr>
-        <p:spPr/>
+        <p:spPr>
+          <a:xfrm>
+            <a:off x="291945" y="1628800"/>
+            <a:ext cx="7459446" cy="4242952"/>
+          </a:xfrm>
+        </p:spPr>
         <p:txBody>
           <a:bodyPr/>
           <a:lstStyle/>
           <a:p>
-            <a:endParaRPr lang="da-DK"/>
+            <a:r>
+              <a:rPr lang="en-US" dirty="0"/>
+              <a:t>Children’s Hospital, Boston &amp; Massachusetts Institute of Technology (CHB-MIT)</a:t>
+            </a:r>
+          </a:p>
+          <a:p>
+            <a:endParaRPr lang="en-US" dirty="0"/>
+          </a:p>
+          <a:p>
+            <a:r>
+              <a:rPr lang="en-US" dirty="0"/>
+              <a:t>Clinical assessment for the severity of epileptic seizure and candidacy for surgical intervention</a:t>
+            </a:r>
+          </a:p>
+          <a:p>
+            <a:endParaRPr lang="en-US" dirty="0"/>
+          </a:p>
+          <a:p>
+            <a:r>
+              <a:rPr lang="da-DK" sz="1800" dirty="0">
+                <a:cs typeface="Times New Roman" panose="02020603050405020304" pitchFamily="18" charset="0"/>
+              </a:rPr>
+              <a:t>24 cases from 23 pediatric patients (one patient had a second recording 1.5 years after the first recording [chb01, chb21])</a:t>
+            </a:r>
+          </a:p>
+          <a:p>
+            <a:endParaRPr lang="da-DK" dirty="0"/>
+          </a:p>
+          <a:p>
+            <a:r>
+              <a:rPr lang="da-DK" sz="1800" dirty="0">
+                <a:cs typeface="Times New Roman" panose="02020603050405020304" pitchFamily="18" charset="0"/>
+              </a:rPr>
+              <a:t>In most cases each .edf recordings contain exactly one hour of digitized EEG signals using 23 channels. </a:t>
+            </a:r>
+            <a:endParaRPr lang="da-DK" dirty="0"/>
           </a:p>
         </p:txBody>
       </p:sp>
@@ -9816,7 +11617,7 @@
           <p:cNvPr id="4" name="Pladsholder til sidefod 3">
             <a:extLst>
               <a:ext uri="{FF2B5EF4-FFF2-40B4-BE49-F238E27FC236}">
-                <a16:creationId xmlns:a16="http://schemas.microsoft.com/office/drawing/2014/main" id="{297E0022-7790-3666-2F3D-AC4B0564FBCF}"/>
+                <a16:creationId xmlns:a16="http://schemas.microsoft.com/office/drawing/2014/main" id="{90C56605-CDB8-80AD-5073-4560E7F4104D}"/>
               </a:ext>
             </a:extLst>
           </p:cNvPr>
@@ -9841,7 +11642,7 @@
           <p:cNvPr id="5" name="Pladsholder til slidenummer 4">
             <a:extLst>
               <a:ext uri="{FF2B5EF4-FFF2-40B4-BE49-F238E27FC236}">
-                <a16:creationId xmlns:a16="http://schemas.microsoft.com/office/drawing/2014/main" id="{AAE6C175-E39A-74C8-7CEA-0862754073DB}"/>
+                <a16:creationId xmlns:a16="http://schemas.microsoft.com/office/drawing/2014/main" id="{0AA94771-431E-0520-82A6-7E897C378C6D}"/>
               </a:ext>
             </a:extLst>
           </p:cNvPr>
@@ -9866,16 +11667,271 @@
           </a:p>
         </p:txBody>
       </p:sp>
+      <p:pic>
+        <p:nvPicPr>
+          <p:cNvPr id="6" name="Picture 5">
+            <a:extLst>
+              <a:ext uri="{FF2B5EF4-FFF2-40B4-BE49-F238E27FC236}">
+                <a16:creationId xmlns:a16="http://schemas.microsoft.com/office/drawing/2014/main" id="{A17BEFE8-F831-5306-D45D-6EEDACDC4556}"/>
+              </a:ext>
+            </a:extLst>
+          </p:cNvPr>
+          <p:cNvPicPr>
+            <a:picLocks noChangeAspect="1"/>
+          </p:cNvPicPr>
+          <p:nvPr/>
+        </p:nvPicPr>
+        <p:blipFill rotWithShape="1">
+          <a:blip r:embed="rId2"/>
+          <a:srcRect t="1059"/>
+          <a:stretch/>
+        </p:blipFill>
+        <p:spPr>
+          <a:xfrm>
+            <a:off x="8903518" y="823679"/>
+            <a:ext cx="2088232" cy="2605321"/>
+          </a:xfrm>
+          <a:prstGeom prst="rect">
+            <a:avLst/>
+          </a:prstGeom>
+        </p:spPr>
+      </p:pic>
     </p:spTree>
     <p:extLst>
       <p:ext uri="{BB962C8B-B14F-4D97-AF65-F5344CB8AC3E}">
-        <p14:creationId xmlns:p14="http://schemas.microsoft.com/office/powerpoint/2010/main" val="763582335"/>
+        <p14:creationId xmlns:p14="http://schemas.microsoft.com/office/powerpoint/2010/main" val="2034921015"/>
       </p:ext>
     </p:extLst>
   </p:cSld>
   <p:clrMapOvr>
     <a:masterClrMapping/>
   </p:clrMapOvr>
+  <p:timing>
+    <p:tnLst>
+      <p:par>
+        <p:cTn id="1" dur="indefinite" restart="never" nodeType="tmRoot">
+          <p:childTnLst>
+            <p:seq concurrent="1" nextAc="seek">
+              <p:cTn id="2" dur="indefinite" nodeType="mainSeq">
+                <p:childTnLst>
+                  <p:par>
+                    <p:cTn id="3" fill="hold">
+                      <p:stCondLst>
+                        <p:cond delay="indefinite"/>
+                      </p:stCondLst>
+                      <p:childTnLst>
+                        <p:par>
+                          <p:cTn id="4" fill="hold">
+                            <p:stCondLst>
+                              <p:cond delay="0"/>
+                            </p:stCondLst>
+                            <p:childTnLst>
+                              <p:par>
+                                <p:cTn id="5" presetID="1" presetClass="entr" presetSubtype="0" fill="hold" nodeType="clickEffect">
+                                  <p:stCondLst>
+                                    <p:cond delay="0"/>
+                                  </p:stCondLst>
+                                  <p:childTnLst>
+                                    <p:set>
+                                      <p:cBhvr>
+                                        <p:cTn id="6" dur="1" fill="hold">
+                                          <p:stCondLst>
+                                            <p:cond delay="0"/>
+                                          </p:stCondLst>
+                                        </p:cTn>
+                                        <p:tgtEl>
+                                          <p:spTgt spid="3">
+                                            <p:txEl>
+                                              <p:pRg st="0" end="0"/>
+                                            </p:txEl>
+                                          </p:spTgt>
+                                        </p:tgtEl>
+                                        <p:attrNameLst>
+                                          <p:attrName>style.visibility</p:attrName>
+                                        </p:attrNameLst>
+                                      </p:cBhvr>
+                                      <p:to>
+                                        <p:strVal val="visible"/>
+                                      </p:to>
+                                    </p:set>
+                                  </p:childTnLst>
+                                </p:cTn>
+                              </p:par>
+                            </p:childTnLst>
+                          </p:cTn>
+                        </p:par>
+                      </p:childTnLst>
+                    </p:cTn>
+                  </p:par>
+                  <p:par>
+                    <p:cTn id="7" fill="hold">
+                      <p:stCondLst>
+                        <p:cond delay="indefinite"/>
+                      </p:stCondLst>
+                      <p:childTnLst>
+                        <p:par>
+                          <p:cTn id="8" fill="hold">
+                            <p:stCondLst>
+                              <p:cond delay="0"/>
+                            </p:stCondLst>
+                            <p:childTnLst>
+                              <p:par>
+                                <p:cTn id="9" presetID="1" presetClass="entr" presetSubtype="0" fill="hold" nodeType="clickEffect">
+                                  <p:stCondLst>
+                                    <p:cond delay="0"/>
+                                  </p:stCondLst>
+                                  <p:childTnLst>
+                                    <p:set>
+                                      <p:cBhvr>
+                                        <p:cTn id="10" dur="1" fill="hold">
+                                          <p:stCondLst>
+                                            <p:cond delay="0"/>
+                                          </p:stCondLst>
+                                        </p:cTn>
+                                        <p:tgtEl>
+                                          <p:spTgt spid="3">
+                                            <p:txEl>
+                                              <p:pRg st="2" end="2"/>
+                                            </p:txEl>
+                                          </p:spTgt>
+                                        </p:tgtEl>
+                                        <p:attrNameLst>
+                                          <p:attrName>style.visibility</p:attrName>
+                                        </p:attrNameLst>
+                                      </p:cBhvr>
+                                      <p:to>
+                                        <p:strVal val="visible"/>
+                                      </p:to>
+                                    </p:set>
+                                  </p:childTnLst>
+                                </p:cTn>
+                              </p:par>
+                            </p:childTnLst>
+                          </p:cTn>
+                        </p:par>
+                      </p:childTnLst>
+                    </p:cTn>
+                  </p:par>
+                  <p:par>
+                    <p:cTn id="11" fill="hold">
+                      <p:stCondLst>
+                        <p:cond delay="indefinite"/>
+                      </p:stCondLst>
+                      <p:childTnLst>
+                        <p:par>
+                          <p:cTn id="12" fill="hold">
+                            <p:stCondLst>
+                              <p:cond delay="0"/>
+                            </p:stCondLst>
+                            <p:childTnLst>
+                              <p:par>
+                                <p:cTn id="13" presetID="1" presetClass="entr" presetSubtype="0" fill="hold" nodeType="clickEffect">
+                                  <p:stCondLst>
+                                    <p:cond delay="0"/>
+                                  </p:stCondLst>
+                                  <p:childTnLst>
+                                    <p:set>
+                                      <p:cBhvr>
+                                        <p:cTn id="14" dur="1" fill="hold">
+                                          <p:stCondLst>
+                                            <p:cond delay="0"/>
+                                          </p:stCondLst>
+                                        </p:cTn>
+                                        <p:tgtEl>
+                                          <p:spTgt spid="3">
+                                            <p:txEl>
+                                              <p:pRg st="4" end="4"/>
+                                            </p:txEl>
+                                          </p:spTgt>
+                                        </p:tgtEl>
+                                        <p:attrNameLst>
+                                          <p:attrName>style.visibility</p:attrName>
+                                        </p:attrNameLst>
+                                      </p:cBhvr>
+                                      <p:to>
+                                        <p:strVal val="visible"/>
+                                      </p:to>
+                                    </p:set>
+                                  </p:childTnLst>
+                                </p:cTn>
+                              </p:par>
+                            </p:childTnLst>
+                          </p:cTn>
+                        </p:par>
+                      </p:childTnLst>
+                    </p:cTn>
+                  </p:par>
+                  <p:par>
+                    <p:cTn id="15" fill="hold">
+                      <p:stCondLst>
+                        <p:cond delay="indefinite"/>
+                      </p:stCondLst>
+                      <p:childTnLst>
+                        <p:par>
+                          <p:cTn id="16" fill="hold">
+                            <p:stCondLst>
+                              <p:cond delay="0"/>
+                            </p:stCondLst>
+                            <p:childTnLst>
+                              <p:par>
+                                <p:cTn id="17" presetID="1" presetClass="entr" presetSubtype="0" fill="hold" nodeType="clickEffect">
+                                  <p:stCondLst>
+                                    <p:cond delay="0"/>
+                                  </p:stCondLst>
+                                  <p:childTnLst>
+                                    <p:set>
+                                      <p:cBhvr>
+                                        <p:cTn id="18" dur="1" fill="hold">
+                                          <p:stCondLst>
+                                            <p:cond delay="0"/>
+                                          </p:stCondLst>
+                                        </p:cTn>
+                                        <p:tgtEl>
+                                          <p:spTgt spid="3">
+                                            <p:txEl>
+                                              <p:pRg st="6" end="6"/>
+                                            </p:txEl>
+                                          </p:spTgt>
+                                        </p:tgtEl>
+                                        <p:attrNameLst>
+                                          <p:attrName>style.visibility</p:attrName>
+                                        </p:attrNameLst>
+                                      </p:cBhvr>
+                                      <p:to>
+                                        <p:strVal val="visible"/>
+                                      </p:to>
+                                    </p:set>
+                                  </p:childTnLst>
+                                </p:cTn>
+                              </p:par>
+                            </p:childTnLst>
+                          </p:cTn>
+                        </p:par>
+                      </p:childTnLst>
+                    </p:cTn>
+                  </p:par>
+                </p:childTnLst>
+              </p:cTn>
+              <p:prevCondLst>
+                <p:cond evt="onPrev" delay="0">
+                  <p:tgtEl>
+                    <p:sldTgt/>
+                  </p:tgtEl>
+                </p:cond>
+              </p:prevCondLst>
+              <p:nextCondLst>
+                <p:cond evt="onNext" delay="0">
+                  <p:tgtEl>
+                    <p:sldTgt/>
+                  </p:tgtEl>
+                </p:cond>
+              </p:nextCondLst>
+            </p:seq>
+          </p:childTnLst>
+        </p:cTn>
+      </p:par>
+    </p:tnLst>
+  </p:timing>
 </p:sld>
 </file>
 
@@ -9898,10 +11954,10 @@
       </p:grpSpPr>
       <p:sp>
         <p:nvSpPr>
-          <p:cNvPr id="2" name="Titel 1">
+          <p:cNvPr id="4" name="Title 3">
             <a:extLst>
               <a:ext uri="{FF2B5EF4-FFF2-40B4-BE49-F238E27FC236}">
-                <a16:creationId xmlns:a16="http://schemas.microsoft.com/office/drawing/2014/main" id="{D839D9DB-433B-7A86-641F-DFE9AA3690A4}"/>
+                <a16:creationId xmlns:a16="http://schemas.microsoft.com/office/drawing/2014/main" id="{674358EA-4D5B-461F-997D-DE6729900DE7}"/>
               </a:ext>
             </a:extLst>
           </p:cNvPr>
@@ -9909,7 +11965,7 @@
             <a:spLocks noGrp="1"/>
           </p:cNvSpPr>
           <p:nvPr>
-            <p:ph type="title"/>
+            <p:ph type="ctrTitle"/>
           </p:nvPr>
         </p:nvSpPr>
         <p:spPr/>
@@ -9918,18 +11974,18 @@
           <a:lstStyle/>
           <a:p>
             <a:r>
-              <a:rPr lang="da-DK" dirty="0"/>
-              <a:t>Feature Extraction</a:t>
-            </a:r>
-          </a:p>
-        </p:txBody>
-      </p:sp>
-      <p:sp>
-        <p:nvSpPr>
-          <p:cNvPr id="3" name="Pladsholder til indhold 2">
+              <a:rPr lang="en-AU" sz="6000" dirty="0"/>
+              <a:t>Methods</a:t>
+            </a:r>
+          </a:p>
+        </p:txBody>
+      </p:sp>
+      <p:sp>
+        <p:nvSpPr>
+          <p:cNvPr id="5" name="Subtitle 4">
             <a:extLst>
               <a:ext uri="{FF2B5EF4-FFF2-40B4-BE49-F238E27FC236}">
-                <a16:creationId xmlns:a16="http://schemas.microsoft.com/office/drawing/2014/main" id="{FD9AB7DF-B82A-4E83-C70E-95578267CBB4}"/>
+                <a16:creationId xmlns:a16="http://schemas.microsoft.com/office/drawing/2014/main" id="{88CE6942-A17C-4247-86C6-41FACF7E90AC}"/>
               </a:ext>
             </a:extLst>
           </p:cNvPr>
@@ -9937,7 +11993,7 @@
             <a:spLocks noGrp="1"/>
           </p:cNvSpPr>
           <p:nvPr>
-            <p:ph idx="1"/>
+            <p:ph type="subTitle" idx="1"/>
           </p:nvPr>
         </p:nvSpPr>
         <p:spPr/>
@@ -9945,16 +12001,16 @@
           <a:bodyPr/>
           <a:lstStyle/>
           <a:p>
-            <a:endParaRPr lang="da-DK"/>
-          </a:p>
-        </p:txBody>
-      </p:sp>
-      <p:sp>
-        <p:nvSpPr>
-          <p:cNvPr id="4" name="Pladsholder til sidefod 3">
+            <a:endParaRPr lang="en-US" dirty="0"/>
+          </a:p>
+        </p:txBody>
+      </p:sp>
+      <p:sp>
+        <p:nvSpPr>
+          <p:cNvPr id="2" name="Footer Placeholder 1">
             <a:extLst>
               <a:ext uri="{FF2B5EF4-FFF2-40B4-BE49-F238E27FC236}">
-                <a16:creationId xmlns:a16="http://schemas.microsoft.com/office/drawing/2014/main" id="{4F3A57A4-7081-DE00-5E80-8C73E94ACC7E}"/>
+                <a16:creationId xmlns:a16="http://schemas.microsoft.com/office/drawing/2014/main" id="{A45995EB-10E4-4119-B468-5CD7D10A0933}"/>
               </a:ext>
             </a:extLst>
           </p:cNvPr>
@@ -9962,7 +12018,7 @@
             <a:spLocks noGrp="1"/>
           </p:cNvSpPr>
           <p:nvPr>
-            <p:ph type="ftr" sz="quarter" idx="10"/>
+            <p:ph type="ftr" sz="quarter" idx="16"/>
           </p:nvPr>
         </p:nvSpPr>
         <p:spPr/>
@@ -9976,10 +12032,10 @@
       </p:sp>
       <p:sp>
         <p:nvSpPr>
-          <p:cNvPr id="5" name="Pladsholder til slidenummer 4">
+          <p:cNvPr id="3" name="Slide Number Placeholder 2">
             <a:extLst>
               <a:ext uri="{FF2B5EF4-FFF2-40B4-BE49-F238E27FC236}">
-                <a16:creationId xmlns:a16="http://schemas.microsoft.com/office/drawing/2014/main" id="{196B6C13-BE1D-CED2-97A1-9546BEE28D53}"/>
+                <a16:creationId xmlns:a16="http://schemas.microsoft.com/office/drawing/2014/main" id="{0AA221E4-1851-497D-90EE-984C7112166A}"/>
               </a:ext>
             </a:extLst>
           </p:cNvPr>
@@ -9987,7 +12043,7 @@
             <a:spLocks noGrp="1"/>
           </p:cNvSpPr>
           <p:nvPr>
-            <p:ph type="sldNum" sz="quarter" idx="11"/>
+            <p:ph type="sldNum" sz="quarter" idx="17"/>
           </p:nvPr>
         </p:nvSpPr>
         <p:spPr/>
@@ -9995,7 +12051,7 @@
           <a:bodyPr/>
           <a:lstStyle/>
           <a:p>
-            <a:fld id="{103EA872-A674-449B-A120-B97244F8E91D}" type="slidenum">
+            <a:fld id="{24C8C45C-947F-4981-8B3F-4F32E973C901}" type="slidenum">
               <a:rPr lang="da-DK" smtClean="0"/>
               <a:pPr/>
               <a:t>6</a:t>
@@ -10005,9 +12061,13 @@
         </p:txBody>
       </p:sp>
     </p:spTree>
+    <p:custDataLst>
+      <p:custData r:id="rId1"/>
+      <p:custData r:id="rId2"/>
+    </p:custDataLst>
     <p:extLst>
       <p:ext uri="{BB962C8B-B14F-4D97-AF65-F5344CB8AC3E}">
-        <p14:creationId xmlns:p14="http://schemas.microsoft.com/office/powerpoint/2010/main" val="3699959191"/>
+        <p14:creationId xmlns:p14="http://schemas.microsoft.com/office/powerpoint/2010/main" val="3211605157"/>
       </p:ext>
     </p:extLst>
   </p:cSld>
@@ -10036,10 +12096,10 @@
       </p:grpSpPr>
       <p:sp>
         <p:nvSpPr>
-          <p:cNvPr id="2" name="Titel 1">
+          <p:cNvPr id="2" name="Title 1">
             <a:extLst>
               <a:ext uri="{FF2B5EF4-FFF2-40B4-BE49-F238E27FC236}">
-                <a16:creationId xmlns:a16="http://schemas.microsoft.com/office/drawing/2014/main" id="{57E22513-146C-C6AE-9979-9BB00F7E77BC}"/>
+                <a16:creationId xmlns:a16="http://schemas.microsoft.com/office/drawing/2014/main" id="{0D3E146F-D67F-477A-E546-BAEAA0B59BC1}"/>
               </a:ext>
             </a:extLst>
           </p:cNvPr>
@@ -10057,42 +12117,46 @@
           <a:p>
             <a:r>
               <a:rPr lang="da-DK" dirty="0"/>
-              <a:t>Machine Learning Problem</a:t>
-            </a:r>
-          </a:p>
-        </p:txBody>
-      </p:sp>
-      <p:sp>
-        <p:nvSpPr>
-          <p:cNvPr id="3" name="Pladsholder til indhold 2">
+              <a:t>Flowchart</a:t>
+            </a:r>
+          </a:p>
+        </p:txBody>
+      </p:sp>
+      <p:pic>
+        <p:nvPicPr>
+          <p:cNvPr id="7" name="Content Placeholder 6">
             <a:extLst>
               <a:ext uri="{FF2B5EF4-FFF2-40B4-BE49-F238E27FC236}">
-                <a16:creationId xmlns:a16="http://schemas.microsoft.com/office/drawing/2014/main" id="{CD32658E-A59C-C98F-2B48-3D2293B8317A}"/>
+                <a16:creationId xmlns:a16="http://schemas.microsoft.com/office/drawing/2014/main" id="{E075F920-76D5-265A-7026-D603B4A70031}"/>
               </a:ext>
             </a:extLst>
           </p:cNvPr>
-          <p:cNvSpPr>
-            <a:spLocks noGrp="1"/>
-          </p:cNvSpPr>
+          <p:cNvPicPr>
+            <a:picLocks noGrp="1" noChangeAspect="1"/>
+          </p:cNvPicPr>
           <p:nvPr>
             <p:ph idx="1"/>
           </p:nvPr>
-        </p:nvSpPr>
-        <p:spPr/>
-        <p:txBody>
-          <a:bodyPr/>
-          <a:lstStyle/>
-          <a:p>
-            <a:endParaRPr lang="da-DK"/>
-          </a:p>
-        </p:txBody>
-      </p:sp>
-      <p:sp>
-        <p:nvSpPr>
-          <p:cNvPr id="4" name="Pladsholder til sidefod 3">
+        </p:nvPicPr>
+        <p:blipFill>
+          <a:blip r:embed="rId2"/>
+          <a:stretch>
+            <a:fillRect/>
+          </a:stretch>
+        </p:blipFill>
+        <p:spPr>
+          <a:xfrm>
+            <a:off x="1774726" y="1628800"/>
+            <a:ext cx="9312275" cy="3916608"/>
+          </a:xfrm>
+        </p:spPr>
+      </p:pic>
+      <p:sp>
+        <p:nvSpPr>
+          <p:cNvPr id="4" name="Footer Placeholder 3">
             <a:extLst>
               <a:ext uri="{FF2B5EF4-FFF2-40B4-BE49-F238E27FC236}">
-                <a16:creationId xmlns:a16="http://schemas.microsoft.com/office/drawing/2014/main" id="{164C3A07-DDD8-ED5D-4C63-87FFA563ECC6}"/>
+                <a16:creationId xmlns:a16="http://schemas.microsoft.com/office/drawing/2014/main" id="{A3FC41F3-B024-C924-34E7-56CB45D9FDFE}"/>
               </a:ext>
             </a:extLst>
           </p:cNvPr>
@@ -10114,10 +12178,10 @@
       </p:sp>
       <p:sp>
         <p:nvSpPr>
-          <p:cNvPr id="5" name="Pladsholder til slidenummer 4">
+          <p:cNvPr id="5" name="Slide Number Placeholder 4">
             <a:extLst>
               <a:ext uri="{FF2B5EF4-FFF2-40B4-BE49-F238E27FC236}">
-                <a16:creationId xmlns:a16="http://schemas.microsoft.com/office/drawing/2014/main" id="{BA0AEB67-4548-7089-E8D1-ECCC46EAEC08}"/>
+                <a16:creationId xmlns:a16="http://schemas.microsoft.com/office/drawing/2014/main" id="{1CD7D019-10E6-5808-9AF8-6B9F57DA855D}"/>
               </a:ext>
             </a:extLst>
           </p:cNvPr>
@@ -10145,7 +12209,7 @@
     </p:spTree>
     <p:extLst>
       <p:ext uri="{BB962C8B-B14F-4D97-AF65-F5344CB8AC3E}">
-        <p14:creationId xmlns:p14="http://schemas.microsoft.com/office/powerpoint/2010/main" val="2389754274"/>
+        <p14:creationId xmlns:p14="http://schemas.microsoft.com/office/powerpoint/2010/main" val="1440404951"/>
       </p:ext>
     </p:extLst>
   </p:cSld>
@@ -10177,7 +12241,7 @@
           <p:cNvPr id="2" name="Titel 1">
             <a:extLst>
               <a:ext uri="{FF2B5EF4-FFF2-40B4-BE49-F238E27FC236}">
-                <a16:creationId xmlns:a16="http://schemas.microsoft.com/office/drawing/2014/main" id="{52D423BB-DD68-7B76-2EFD-7FA940E3B76F}"/>
+                <a16:creationId xmlns:a16="http://schemas.microsoft.com/office/drawing/2014/main" id="{50A43BA7-67E8-8B9B-8AC7-DF37F9BC5323}"/>
               </a:ext>
             </a:extLst>
           </p:cNvPr>
@@ -10195,33 +12259,8 @@
           <a:p>
             <a:r>
               <a:rPr lang="da-DK" dirty="0"/>
-              <a:t>Performance Evaluation</a:t>
-            </a:r>
-          </a:p>
-        </p:txBody>
-      </p:sp>
-      <p:sp>
-        <p:nvSpPr>
-          <p:cNvPr id="3" name="Pladsholder til indhold 2">
-            <a:extLst>
-              <a:ext uri="{FF2B5EF4-FFF2-40B4-BE49-F238E27FC236}">
-                <a16:creationId xmlns:a16="http://schemas.microsoft.com/office/drawing/2014/main" id="{AFFDE506-CBE9-99C7-57BB-F78F8A4D8E04}"/>
-              </a:ext>
-            </a:extLst>
-          </p:cNvPr>
-          <p:cNvSpPr>
-            <a:spLocks noGrp="1"/>
-          </p:cNvSpPr>
-          <p:nvPr>
-            <p:ph idx="1"/>
-          </p:nvPr>
-        </p:nvSpPr>
-        <p:spPr/>
-        <p:txBody>
-          <a:bodyPr/>
-          <a:lstStyle/>
-          <a:p>
-            <a:endParaRPr lang="da-DK"/>
+              <a:t>EEG Preprocessing and Segments</a:t>
+            </a:r>
           </a:p>
         </p:txBody>
       </p:sp>
@@ -10230,7 +12269,7 @@
           <p:cNvPr id="4" name="Pladsholder til sidefod 3">
             <a:extLst>
               <a:ext uri="{FF2B5EF4-FFF2-40B4-BE49-F238E27FC236}">
-                <a16:creationId xmlns:a16="http://schemas.microsoft.com/office/drawing/2014/main" id="{C15CA04C-0587-9DDD-0540-088DF7FAC74E}"/>
+                <a16:creationId xmlns:a16="http://schemas.microsoft.com/office/drawing/2014/main" id="{297E0022-7790-3666-2F3D-AC4B0564FBCF}"/>
               </a:ext>
             </a:extLst>
           </p:cNvPr>
@@ -10255,7 +12294,7 @@
           <p:cNvPr id="5" name="Pladsholder til slidenummer 4">
             <a:extLst>
               <a:ext uri="{FF2B5EF4-FFF2-40B4-BE49-F238E27FC236}">
-                <a16:creationId xmlns:a16="http://schemas.microsoft.com/office/drawing/2014/main" id="{77811ECA-F2BE-84D3-7884-3C7AF71F8B0A}"/>
+                <a16:creationId xmlns:a16="http://schemas.microsoft.com/office/drawing/2014/main" id="{AAE6C175-E39A-74C8-7CEA-0862754073DB}"/>
               </a:ext>
             </a:extLst>
           </p:cNvPr>
@@ -10280,10 +12319,311 @@
           </a:p>
         </p:txBody>
       </p:sp>
+      <p:sp>
+        <p:nvSpPr>
+          <p:cNvPr id="11" name="TextBox 10">
+            <a:extLst>
+              <a:ext uri="{FF2B5EF4-FFF2-40B4-BE49-F238E27FC236}">
+                <a16:creationId xmlns:a16="http://schemas.microsoft.com/office/drawing/2014/main" id="{20AA6899-E6E5-6741-81C0-661226D389A9}"/>
+              </a:ext>
+            </a:extLst>
+          </p:cNvPr>
+          <p:cNvSpPr txBox="1"/>
+          <p:nvPr/>
+        </p:nvSpPr>
+        <p:spPr>
+          <a:xfrm>
+            <a:off x="550590" y="1940184"/>
+            <a:ext cx="5976664" cy="4708981"/>
+          </a:xfrm>
+          <a:prstGeom prst="rect">
+            <a:avLst/>
+          </a:prstGeom>
+          <a:noFill/>
+        </p:spPr>
+        <p:txBody>
+          <a:bodyPr wrap="square" lIns="0" tIns="0" rIns="0" bIns="0" rtlCol="0">
+            <a:spAutoFit/>
+          </a:bodyPr>
+          <a:lstStyle/>
+          <a:p>
+            <a:pPr marL="285750" indent="-285750">
+              <a:spcBef>
+                <a:spcPts val="432"/>
+              </a:spcBef>
+              <a:buFont typeface="Arial" panose="020B0604020202020204" pitchFamily="34" charset="0"/>
+              <a:buChar char="•"/>
+            </a:pPr>
+            <a:r>
+              <a:rPr lang="en-CA" sz="1600" dirty="0">
+                <a:latin typeface="Times New Roman" panose="02020603050405020304" pitchFamily="18" charset="0"/>
+                <a:cs typeface="Times New Roman" panose="02020603050405020304" pitchFamily="18" charset="0"/>
+              </a:rPr>
+              <a:t>23 cases; </a:t>
+            </a:r>
+            <a:r>
+              <a:rPr lang="en-CA" dirty="0">
+                <a:latin typeface="Times New Roman" panose="02020603050405020304" pitchFamily="18" charset="0"/>
+                <a:cs typeface="Times New Roman" panose="02020603050405020304" pitchFamily="18" charset="0"/>
+              </a:rPr>
+              <a:t>consequently only 18 channels</a:t>
+            </a:r>
+          </a:p>
+          <a:p>
+            <a:pPr marL="285750" indent="-285750">
+              <a:spcBef>
+                <a:spcPts val="432"/>
+              </a:spcBef>
+              <a:buFont typeface="Arial" panose="020B0604020202020204" pitchFamily="34" charset="0"/>
+              <a:buChar char="•"/>
+            </a:pPr>
+            <a:endParaRPr lang="en-CA" dirty="0">
+              <a:latin typeface="Times New Roman" panose="02020603050405020304" pitchFamily="18" charset="0"/>
+              <a:cs typeface="Times New Roman" panose="02020603050405020304" pitchFamily="18" charset="0"/>
+            </a:endParaRPr>
+          </a:p>
+          <a:p>
+            <a:pPr marL="285750" indent="-285750">
+              <a:spcBef>
+                <a:spcPts val="432"/>
+              </a:spcBef>
+              <a:buFont typeface="Arial" panose="020B0604020202020204" pitchFamily="34" charset="0"/>
+              <a:buChar char="•"/>
+            </a:pPr>
+            <a:r>
+              <a:rPr lang="en-CA" dirty="0">
+                <a:latin typeface="Times New Roman" panose="02020603050405020304" pitchFamily="18" charset="0"/>
+                <a:cs typeface="Times New Roman" panose="02020603050405020304" pitchFamily="18" charset="0"/>
+              </a:rPr>
+              <a:t>4-second segments </a:t>
+            </a:r>
+          </a:p>
+          <a:p>
+            <a:pPr marL="285750" indent="-285750">
+              <a:spcBef>
+                <a:spcPts val="432"/>
+              </a:spcBef>
+              <a:buFont typeface="Arial" panose="020B0604020202020204" pitchFamily="34" charset="0"/>
+              <a:buChar char="•"/>
+            </a:pPr>
+            <a:endParaRPr lang="en-CA" dirty="0">
+              <a:latin typeface="Times New Roman" panose="02020603050405020304" pitchFamily="18" charset="0"/>
+              <a:cs typeface="Times New Roman" panose="02020603050405020304" pitchFamily="18" charset="0"/>
+            </a:endParaRPr>
+          </a:p>
+          <a:p>
+            <a:pPr marL="285750" indent="-285750">
+              <a:spcBef>
+                <a:spcPts val="432"/>
+              </a:spcBef>
+              <a:buFont typeface="Arial" panose="020B0604020202020204" pitchFamily="34" charset="0"/>
+              <a:buChar char="•"/>
+            </a:pPr>
+            <a:r>
+              <a:rPr lang="en-CA" dirty="0">
+                <a:latin typeface="Times New Roman" panose="02020603050405020304" pitchFamily="18" charset="0"/>
+                <a:cs typeface="Times New Roman" panose="02020603050405020304" pitchFamily="18" charset="0"/>
+              </a:rPr>
+              <a:t>ictal segments extracted from middle of seizure annotation</a:t>
+            </a:r>
+          </a:p>
+          <a:p>
+            <a:pPr marL="285750" indent="-285750">
+              <a:spcBef>
+                <a:spcPts val="432"/>
+              </a:spcBef>
+              <a:buFont typeface="Arial" panose="020B0604020202020204" pitchFamily="34" charset="0"/>
+              <a:buChar char="•"/>
+            </a:pPr>
+            <a:endParaRPr lang="en-CA" dirty="0">
+              <a:latin typeface="Times New Roman" panose="02020603050405020304" pitchFamily="18" charset="0"/>
+              <a:cs typeface="Times New Roman" panose="02020603050405020304" pitchFamily="18" charset="0"/>
+            </a:endParaRPr>
+          </a:p>
+          <a:p>
+            <a:pPr marL="285750" indent="-285750">
+              <a:spcBef>
+                <a:spcPts val="432"/>
+              </a:spcBef>
+              <a:buFont typeface="Arial" panose="020B0604020202020204" pitchFamily="34" charset="0"/>
+              <a:buChar char="•"/>
+            </a:pPr>
+            <a:r>
+              <a:rPr lang="en-CA" dirty="0">
+                <a:latin typeface="Times New Roman" panose="02020603050405020304" pitchFamily="18" charset="0"/>
+                <a:cs typeface="Times New Roman" panose="02020603050405020304" pitchFamily="18" charset="0"/>
+              </a:rPr>
+              <a:t>interictal segments extracted 1 minute after seizure end</a:t>
+            </a:r>
+          </a:p>
+          <a:p>
+            <a:pPr marL="285750" indent="-285750">
+              <a:spcBef>
+                <a:spcPts val="432"/>
+              </a:spcBef>
+              <a:buFont typeface="Arial" panose="020B0604020202020204" pitchFamily="34" charset="0"/>
+              <a:buChar char="•"/>
+            </a:pPr>
+            <a:endParaRPr lang="en-CA" dirty="0">
+              <a:latin typeface="Times New Roman" panose="02020603050405020304" pitchFamily="18" charset="0"/>
+              <a:cs typeface="Times New Roman" panose="02020603050405020304" pitchFamily="18" charset="0"/>
+            </a:endParaRPr>
+          </a:p>
+          <a:p>
+            <a:pPr marL="285750" indent="-285750">
+              <a:spcBef>
+                <a:spcPts val="432"/>
+              </a:spcBef>
+              <a:buFont typeface="Arial" panose="020B0604020202020204" pitchFamily="34" charset="0"/>
+              <a:buChar char="•"/>
+            </a:pPr>
+            <a:r>
+              <a:rPr lang="en-CA" dirty="0">
+                <a:latin typeface="Times New Roman" panose="02020603050405020304" pitchFamily="18" charset="0"/>
+                <a:cs typeface="Times New Roman" panose="02020603050405020304" pitchFamily="18" charset="0"/>
+              </a:rPr>
+              <a:t>In total, 182 ictal and 182 interictal segments</a:t>
+            </a:r>
+          </a:p>
+          <a:p>
+            <a:pPr marL="285750" indent="-285750">
+              <a:spcBef>
+                <a:spcPts val="432"/>
+              </a:spcBef>
+              <a:buFont typeface="Arial" panose="020B0604020202020204" pitchFamily="34" charset="0"/>
+              <a:buChar char="•"/>
+            </a:pPr>
+            <a:endParaRPr lang="en-CA" sz="1600" dirty="0">
+              <a:latin typeface="Times New Roman" panose="02020603050405020304" pitchFamily="18" charset="0"/>
+              <a:cs typeface="Times New Roman" panose="02020603050405020304" pitchFamily="18" charset="0"/>
+            </a:endParaRPr>
+          </a:p>
+          <a:p>
+            <a:pPr algn="l">
+              <a:spcBef>
+                <a:spcPts val="432"/>
+              </a:spcBef>
+            </a:pPr>
+            <a:endParaRPr lang="en-US" dirty="0">
+              <a:latin typeface="+mn-lt"/>
+            </a:endParaRPr>
+          </a:p>
+          <a:p>
+            <a:pPr algn="l">
+              <a:spcBef>
+                <a:spcPts val="432"/>
+              </a:spcBef>
+            </a:pPr>
+            <a:endParaRPr lang="en-US" dirty="0">
+              <a:latin typeface="+mn-lt"/>
+            </a:endParaRPr>
+          </a:p>
+          <a:p>
+            <a:pPr algn="l">
+              <a:spcBef>
+                <a:spcPts val="432"/>
+              </a:spcBef>
+            </a:pPr>
+            <a:endParaRPr lang="en-US" dirty="0">
+              <a:latin typeface="+mn-lt"/>
+            </a:endParaRPr>
+          </a:p>
+          <a:p>
+            <a:pPr algn="l">
+              <a:spcBef>
+                <a:spcPts val="432"/>
+              </a:spcBef>
+            </a:pPr>
+            <a:endParaRPr lang="en-US" dirty="0">
+              <a:latin typeface="+mn-lt"/>
+            </a:endParaRPr>
+          </a:p>
+          <a:p>
+            <a:pPr algn="l">
+              <a:spcBef>
+                <a:spcPts val="432"/>
+              </a:spcBef>
+            </a:pPr>
+            <a:endParaRPr lang="en-US" dirty="0">
+              <a:latin typeface="+mn-lt"/>
+            </a:endParaRPr>
+          </a:p>
+          <a:p>
+            <a:pPr algn="l">
+              <a:spcBef>
+                <a:spcPts val="432"/>
+              </a:spcBef>
+            </a:pPr>
+            <a:endParaRPr lang="da-DK" dirty="0" err="1">
+              <a:latin typeface="+mn-lt"/>
+            </a:endParaRPr>
+          </a:p>
+        </p:txBody>
+      </p:sp>
+      <p:pic>
+        <p:nvPicPr>
+          <p:cNvPr id="13" name="Picture 12">
+            <a:extLst>
+              <a:ext uri="{FF2B5EF4-FFF2-40B4-BE49-F238E27FC236}">
+                <a16:creationId xmlns:a16="http://schemas.microsoft.com/office/drawing/2014/main" id="{59139372-E832-B312-45A4-38E653E51559}"/>
+              </a:ext>
+            </a:extLst>
+          </p:cNvPr>
+          <p:cNvPicPr>
+            <a:picLocks noChangeAspect="1"/>
+          </p:cNvPicPr>
+          <p:nvPr/>
+        </p:nvPicPr>
+        <p:blipFill>
+          <a:blip r:embed="rId2"/>
+          <a:stretch>
+            <a:fillRect/>
+          </a:stretch>
+        </p:blipFill>
+        <p:spPr>
+          <a:xfrm>
+            <a:off x="8543478" y="332655"/>
+            <a:ext cx="3206109" cy="2643421"/>
+          </a:xfrm>
+          <a:prstGeom prst="rect">
+            <a:avLst/>
+          </a:prstGeom>
+        </p:spPr>
+      </p:pic>
+      <p:pic>
+        <p:nvPicPr>
+          <p:cNvPr id="16" name="Picture 15">
+            <a:extLst>
+              <a:ext uri="{FF2B5EF4-FFF2-40B4-BE49-F238E27FC236}">
+                <a16:creationId xmlns:a16="http://schemas.microsoft.com/office/drawing/2014/main" id="{567CA72F-1B60-6AE1-7845-EC594C7F2D2B}"/>
+              </a:ext>
+            </a:extLst>
+          </p:cNvPr>
+          <p:cNvPicPr>
+            <a:picLocks noChangeAspect="1"/>
+          </p:cNvPicPr>
+          <p:nvPr/>
+        </p:nvPicPr>
+        <p:blipFill>
+          <a:blip r:embed="rId3"/>
+          <a:stretch>
+            <a:fillRect/>
+          </a:stretch>
+        </p:blipFill>
+        <p:spPr>
+          <a:xfrm>
+            <a:off x="8408135" y="2979286"/>
+            <a:ext cx="3530134" cy="3372362"/>
+          </a:xfrm>
+          <a:prstGeom prst="rect">
+            <a:avLst/>
+          </a:prstGeom>
+        </p:spPr>
+      </p:pic>
     </p:spTree>
     <p:extLst>
       <p:ext uri="{BB962C8B-B14F-4D97-AF65-F5344CB8AC3E}">
-        <p14:creationId xmlns:p14="http://schemas.microsoft.com/office/powerpoint/2010/main" val="1461058086"/>
+        <p14:creationId xmlns:p14="http://schemas.microsoft.com/office/powerpoint/2010/main" val="763582335"/>
       </p:ext>
     </p:extLst>
   </p:cSld>
@@ -10315,7 +12655,7 @@
           <p:cNvPr id="2" name="Titel 1">
             <a:extLst>
               <a:ext uri="{FF2B5EF4-FFF2-40B4-BE49-F238E27FC236}">
-                <a16:creationId xmlns:a16="http://schemas.microsoft.com/office/drawing/2014/main" id="{152D839A-E81B-50DD-DBF3-1E12407D774D}"/>
+                <a16:creationId xmlns:a16="http://schemas.microsoft.com/office/drawing/2014/main" id="{D839D9DB-433B-7A86-641F-DFE9AA3690A4}"/>
               </a:ext>
             </a:extLst>
           </p:cNvPr>
@@ -10333,42 +12673,46 @@
           <a:p>
             <a:r>
               <a:rPr lang="da-DK" dirty="0"/>
-              <a:t>Results and Discussion</a:t>
-            </a:r>
-          </a:p>
-        </p:txBody>
-      </p:sp>
-      <p:sp>
-        <p:nvSpPr>
-          <p:cNvPr id="3" name="Pladsholder til indhold 2">
+              <a:t>Feature Extraction</a:t>
+            </a:r>
+          </a:p>
+        </p:txBody>
+      </p:sp>
+      <p:pic>
+        <p:nvPicPr>
+          <p:cNvPr id="7" name="Content Placeholder 6">
             <a:extLst>
               <a:ext uri="{FF2B5EF4-FFF2-40B4-BE49-F238E27FC236}">
-                <a16:creationId xmlns:a16="http://schemas.microsoft.com/office/drawing/2014/main" id="{F2198C7E-8F55-2295-E390-33136CE14AF9}"/>
+                <a16:creationId xmlns:a16="http://schemas.microsoft.com/office/drawing/2014/main" id="{E4F6DB73-2452-9D00-A466-0228EFB231FB}"/>
               </a:ext>
             </a:extLst>
           </p:cNvPr>
-          <p:cNvSpPr>
-            <a:spLocks noGrp="1"/>
-          </p:cNvSpPr>
+          <p:cNvPicPr>
+            <a:picLocks noGrp="1" noChangeAspect="1"/>
+          </p:cNvPicPr>
           <p:nvPr>
             <p:ph idx="1"/>
           </p:nvPr>
-        </p:nvSpPr>
-        <p:spPr/>
-        <p:txBody>
-          <a:bodyPr/>
-          <a:lstStyle/>
-          <a:p>
-            <a:endParaRPr lang="da-DK"/>
-          </a:p>
-        </p:txBody>
-      </p:sp>
+        </p:nvPicPr>
+        <p:blipFill>
+          <a:blip r:embed="rId2"/>
+          <a:stretch>
+            <a:fillRect/>
+          </a:stretch>
+        </p:blipFill>
+        <p:spPr>
+          <a:xfrm>
+            <a:off x="907601" y="2109995"/>
+            <a:ext cx="4170406" cy="3146489"/>
+          </a:xfrm>
+        </p:spPr>
+      </p:pic>
       <p:sp>
         <p:nvSpPr>
           <p:cNvPr id="4" name="Pladsholder til sidefod 3">
             <a:extLst>
               <a:ext uri="{FF2B5EF4-FFF2-40B4-BE49-F238E27FC236}">
-                <a16:creationId xmlns:a16="http://schemas.microsoft.com/office/drawing/2014/main" id="{38072ACA-B00D-E57C-D890-C0DE693CAE22}"/>
+                <a16:creationId xmlns:a16="http://schemas.microsoft.com/office/drawing/2014/main" id="{4F3A57A4-7081-DE00-5E80-8C73E94ACC7E}"/>
               </a:ext>
             </a:extLst>
           </p:cNvPr>
@@ -10393,7 +12737,7 @@
           <p:cNvPr id="5" name="Pladsholder til slidenummer 4">
             <a:extLst>
               <a:ext uri="{FF2B5EF4-FFF2-40B4-BE49-F238E27FC236}">
-                <a16:creationId xmlns:a16="http://schemas.microsoft.com/office/drawing/2014/main" id="{E6AF9C55-2AE2-40A4-6C22-9AAB22D42480}"/>
+                <a16:creationId xmlns:a16="http://schemas.microsoft.com/office/drawing/2014/main" id="{196B6C13-BE1D-CED2-97A1-9546BEE28D53}"/>
               </a:ext>
             </a:extLst>
           </p:cNvPr>
@@ -10418,10 +12762,458 @@
           </a:p>
         </p:txBody>
       </p:sp>
+      <p:sp>
+        <p:nvSpPr>
+          <p:cNvPr id="8" name="TextBox 7">
+            <a:extLst>
+              <a:ext uri="{FF2B5EF4-FFF2-40B4-BE49-F238E27FC236}">
+                <a16:creationId xmlns:a16="http://schemas.microsoft.com/office/drawing/2014/main" id="{232D8A9A-E4C6-78DC-6FA5-D8A1109E4309}"/>
+              </a:ext>
+            </a:extLst>
+          </p:cNvPr>
+          <p:cNvSpPr txBox="1"/>
+          <p:nvPr/>
+        </p:nvSpPr>
+        <p:spPr>
+          <a:xfrm>
+            <a:off x="907601" y="5459156"/>
+            <a:ext cx="4464496" cy="215444"/>
+          </a:xfrm>
+          <a:prstGeom prst="rect">
+            <a:avLst/>
+          </a:prstGeom>
+          <a:noFill/>
+        </p:spPr>
+        <p:txBody>
+          <a:bodyPr wrap="square" lIns="0" tIns="0" rIns="0" bIns="0" rtlCol="0">
+            <a:spAutoFit/>
+          </a:bodyPr>
+          <a:lstStyle/>
+          <a:p>
+            <a:pPr algn="l">
+              <a:spcBef>
+                <a:spcPts val="432"/>
+              </a:spcBef>
+            </a:pPr>
+            <a:r>
+              <a:rPr lang="en-US" sz="1400" dirty="0" err="1">
+                <a:latin typeface="+mn-lt"/>
+              </a:rPr>
+              <a:t>Coiflet</a:t>
+            </a:r>
+            <a:r>
+              <a:rPr lang="en-US" sz="1400" dirty="0">
+                <a:latin typeface="+mn-lt"/>
+              </a:rPr>
+              <a:t> family, coif3, decomposition levels 2-7 </a:t>
+            </a:r>
+            <a:endParaRPr lang="da-DK" sz="1400" dirty="0" err="1">
+              <a:latin typeface="+mn-lt"/>
+            </a:endParaRPr>
+          </a:p>
+        </p:txBody>
+      </p:sp>
+      <p:sp>
+        <p:nvSpPr>
+          <p:cNvPr id="9" name="TextBox 8">
+            <a:extLst>
+              <a:ext uri="{FF2B5EF4-FFF2-40B4-BE49-F238E27FC236}">
+                <a16:creationId xmlns:a16="http://schemas.microsoft.com/office/drawing/2014/main" id="{149C4D46-44BB-29F5-C40B-1A3063CD5148}"/>
+              </a:ext>
+            </a:extLst>
+          </p:cNvPr>
+          <p:cNvSpPr txBox="1"/>
+          <p:nvPr/>
+        </p:nvSpPr>
+        <p:spPr>
+          <a:xfrm>
+            <a:off x="910630" y="5877272"/>
+            <a:ext cx="5040560" cy="482183"/>
+          </a:xfrm>
+          <a:prstGeom prst="rect">
+            <a:avLst/>
+          </a:prstGeom>
+          <a:noFill/>
+        </p:spPr>
+        <p:txBody>
+          <a:bodyPr wrap="square" lIns="0" tIns="0" rIns="0" bIns="0" rtlCol="0">
+            <a:spAutoFit/>
+          </a:bodyPr>
+          <a:lstStyle/>
+          <a:p>
+            <a:pPr algn="l">
+              <a:spcBef>
+                <a:spcPts val="432"/>
+              </a:spcBef>
+            </a:pPr>
+            <a:r>
+              <a:rPr lang="en-US" sz="1400" dirty="0">
+                <a:latin typeface="+mn-lt"/>
+              </a:rPr>
+              <a:t>Coefficients of each decomposition level: </a:t>
+            </a:r>
+          </a:p>
+          <a:p>
+            <a:pPr algn="l">
+              <a:spcBef>
+                <a:spcPts val="432"/>
+              </a:spcBef>
+            </a:pPr>
+            <a:r>
+              <a:rPr lang="en-US" sz="1400" dirty="0">
+                <a:latin typeface="+mn-lt"/>
+              </a:rPr>
+              <a:t>max, min, mean, std, normalized std, skewness and energy</a:t>
+            </a:r>
+            <a:endParaRPr lang="da-DK" sz="1400" dirty="0" err="1">
+              <a:latin typeface="+mn-lt"/>
+            </a:endParaRPr>
+          </a:p>
+        </p:txBody>
+      </p:sp>
+      <mc:AlternateContent xmlns:mc="http://schemas.openxmlformats.org/markup-compatibility/2006" xmlns:a14="http://schemas.microsoft.com/office/drawing/2010/main">
+        <mc:Choice Requires="a14">
+          <p:sp>
+            <p:nvSpPr>
+              <p:cNvPr id="10" name="TextBox 9">
+                <a:extLst>
+                  <a:ext uri="{FF2B5EF4-FFF2-40B4-BE49-F238E27FC236}">
+                    <a16:creationId xmlns:a16="http://schemas.microsoft.com/office/drawing/2014/main" id="{EAA9642B-F209-249F-0828-18F81782749C}"/>
+                  </a:ext>
+                </a:extLst>
+              </p:cNvPr>
+              <p:cNvSpPr txBox="1"/>
+              <p:nvPr/>
+            </p:nvSpPr>
+            <p:spPr>
+              <a:xfrm>
+                <a:off x="7031310" y="2277408"/>
+                <a:ext cx="3960440" cy="246221"/>
+              </a:xfrm>
+              <a:prstGeom prst="rect">
+                <a:avLst/>
+              </a:prstGeom>
+              <a:noFill/>
+            </p:spPr>
+            <p:txBody>
+              <a:bodyPr wrap="square" lIns="0" tIns="0" rIns="0" bIns="0" rtlCol="0">
+                <a:spAutoFit/>
+              </a:bodyPr>
+              <a:lstStyle/>
+              <a:p>
+                <a:pPr>
+                  <a:spcBef>
+                    <a:spcPts val="432"/>
+                  </a:spcBef>
+                </a:pPr>
+                <a14:m>
+                  <m:oMathPara xmlns:m="http://schemas.openxmlformats.org/officeDocument/2006/math">
+                    <m:oMathParaPr>
+                      <m:jc m:val="centerGroup"/>
+                    </m:oMathParaPr>
+                    <m:oMath xmlns:m="http://schemas.openxmlformats.org/officeDocument/2006/math">
+                      <m:sSup>
+                        <m:sSupPr>
+                          <m:ctrlPr>
+                            <a:rPr lang="en-US" b="0" i="1" smtClean="0">
+                              <a:latin typeface="Cambria Math" panose="02040503050406030204" pitchFamily="18" charset="0"/>
+                              <a:ea typeface="Cambria Math" panose="02040503050406030204" pitchFamily="18" charset="0"/>
+                            </a:rPr>
+                          </m:ctrlPr>
+                        </m:sSupPr>
+                        <m:e>
+                          <m:r>
+                            <a:rPr lang="da-DK" i="1" smtClean="0">
+                              <a:latin typeface="Cambria Math" panose="02040503050406030204" pitchFamily="18" charset="0"/>
+                              <a:ea typeface="Cambria Math" panose="02040503050406030204" pitchFamily="18" charset="0"/>
+                            </a:rPr>
+                            <m:t>ℝ</m:t>
+                          </m:r>
+                        </m:e>
+                        <m:sup>
+                          <m:r>
+                            <a:rPr lang="en-US" b="0" i="1" smtClean="0">
+                              <a:latin typeface="Cambria Math" panose="02040503050406030204" pitchFamily="18" charset="0"/>
+                              <a:ea typeface="Cambria Math" panose="02040503050406030204" pitchFamily="18" charset="0"/>
+                            </a:rPr>
+                            <m:t>42</m:t>
+                          </m:r>
+                        </m:sup>
+                      </m:sSup>
+                      <m:r>
+                        <a:rPr lang="da-DK" i="1" smtClean="0">
+                          <a:latin typeface="Cambria Math" panose="02040503050406030204" pitchFamily="18" charset="0"/>
+                          <a:ea typeface="Cambria Math" panose="02040503050406030204" pitchFamily="18" charset="0"/>
+                        </a:rPr>
+                        <m:t>→</m:t>
+                      </m:r>
+                      <m:sSup>
+                        <m:sSupPr>
+                          <m:ctrlPr>
+                            <a:rPr lang="en-US" i="1">
+                              <a:latin typeface="Cambria Math" panose="02040503050406030204" pitchFamily="18" charset="0"/>
+                              <a:ea typeface="Cambria Math" panose="02040503050406030204" pitchFamily="18" charset="0"/>
+                            </a:rPr>
+                          </m:ctrlPr>
+                        </m:sSupPr>
+                        <m:e>
+                          <m:r>
+                            <a:rPr lang="da-DK" i="1">
+                              <a:latin typeface="Cambria Math" panose="02040503050406030204" pitchFamily="18" charset="0"/>
+                              <a:ea typeface="Cambria Math" panose="02040503050406030204" pitchFamily="18" charset="0"/>
+                            </a:rPr>
+                            <m:t>ℝ</m:t>
+                          </m:r>
+                        </m:e>
+                        <m:sup>
+                          <m:r>
+                            <a:rPr lang="en-US" i="1">
+                              <a:latin typeface="Cambria Math" panose="02040503050406030204" pitchFamily="18" charset="0"/>
+                              <a:ea typeface="Cambria Math" panose="02040503050406030204" pitchFamily="18" charset="0"/>
+                            </a:rPr>
+                            <m:t>2</m:t>
+                          </m:r>
+                        </m:sup>
+                      </m:sSup>
+                    </m:oMath>
+                  </m:oMathPara>
+                </a14:m>
+                <a:endParaRPr lang="da-DK" dirty="0" err="1">
+                  <a:latin typeface="+mn-lt"/>
+                </a:endParaRPr>
+              </a:p>
+            </p:txBody>
+          </p:sp>
+        </mc:Choice>
+        <mc:Fallback xmlns="">
+          <p:sp>
+            <p:nvSpPr>
+              <p:cNvPr id="10" name="TextBox 9">
+                <a:extLst>
+                  <a:ext uri="{FF2B5EF4-FFF2-40B4-BE49-F238E27FC236}">
+                    <a16:creationId xmlns:a16="http://schemas.microsoft.com/office/drawing/2014/main" id="{EAA9642B-F209-249F-0828-18F81782749C}"/>
+                  </a:ext>
+                </a:extLst>
+              </p:cNvPr>
+              <p:cNvSpPr txBox="1">
+                <a:spLocks noRot="1" noChangeAspect="1" noMove="1" noResize="1" noEditPoints="1" noAdjustHandles="1" noChangeArrowheads="1" noChangeShapeType="1" noTextEdit="1"/>
+              </p:cNvSpPr>
+              <p:nvPr/>
+            </p:nvSpPr>
+            <p:spPr>
+              <a:xfrm>
+                <a:off x="7031310" y="2277408"/>
+                <a:ext cx="3960440" cy="246221"/>
+              </a:xfrm>
+              <a:prstGeom prst="rect">
+                <a:avLst/>
+              </a:prstGeom>
+              <a:blipFill>
+                <a:blip r:embed="rId3"/>
+                <a:stretch>
+                  <a:fillRect b="-7500"/>
+                </a:stretch>
+              </a:blipFill>
+            </p:spPr>
+            <p:txBody>
+              <a:bodyPr/>
+              <a:lstStyle/>
+              <a:p>
+                <a:r>
+                  <a:rPr lang="da-DK">
+                    <a:noFill/>
+                  </a:rPr>
+                  <a:t> </a:t>
+                </a:r>
+              </a:p>
+            </p:txBody>
+          </p:sp>
+        </mc:Fallback>
+      </mc:AlternateContent>
+      <p:sp>
+        <p:nvSpPr>
+          <p:cNvPr id="11" name="TextBox 10">
+            <a:extLst>
+              <a:ext uri="{FF2B5EF4-FFF2-40B4-BE49-F238E27FC236}">
+                <a16:creationId xmlns:a16="http://schemas.microsoft.com/office/drawing/2014/main" id="{8BBDEE49-EFE7-D515-9780-7340287E0C49}"/>
+              </a:ext>
+            </a:extLst>
+          </p:cNvPr>
+          <p:cNvSpPr txBox="1"/>
+          <p:nvPr/>
+        </p:nvSpPr>
+        <p:spPr>
+          <a:xfrm>
+            <a:off x="1159629" y="1815318"/>
+            <a:ext cx="3960440" cy="246221"/>
+          </a:xfrm>
+          <a:prstGeom prst="rect">
+            <a:avLst/>
+          </a:prstGeom>
+          <a:noFill/>
+        </p:spPr>
+        <p:txBody>
+          <a:bodyPr wrap="square" lIns="0" tIns="0" rIns="0" bIns="0" rtlCol="0">
+            <a:spAutoFit/>
+          </a:bodyPr>
+          <a:lstStyle/>
+          <a:p>
+            <a:pPr algn="ctr">
+              <a:spcBef>
+                <a:spcPts val="432"/>
+              </a:spcBef>
+            </a:pPr>
+            <a:r>
+              <a:rPr lang="en-US" dirty="0">
+                <a:latin typeface="+mn-lt"/>
+              </a:rPr>
+              <a:t>Discrete Wavelet Transform</a:t>
+            </a:r>
+            <a:endParaRPr lang="da-DK" dirty="0" err="1">
+              <a:latin typeface="+mn-lt"/>
+            </a:endParaRPr>
+          </a:p>
+        </p:txBody>
+      </p:sp>
+      <p:sp>
+        <p:nvSpPr>
+          <p:cNvPr id="12" name="TextBox 11">
+            <a:extLst>
+              <a:ext uri="{FF2B5EF4-FFF2-40B4-BE49-F238E27FC236}">
+                <a16:creationId xmlns:a16="http://schemas.microsoft.com/office/drawing/2014/main" id="{A0D7224D-30A4-BF39-2AE1-DFA00009C134}"/>
+              </a:ext>
+            </a:extLst>
+          </p:cNvPr>
+          <p:cNvSpPr txBox="1"/>
+          <p:nvPr/>
+        </p:nvSpPr>
+        <p:spPr>
+          <a:xfrm>
+            <a:off x="6344862" y="1566256"/>
+            <a:ext cx="5333336" cy="543739"/>
+          </a:xfrm>
+          <a:prstGeom prst="rect">
+            <a:avLst/>
+          </a:prstGeom>
+          <a:noFill/>
+        </p:spPr>
+        <p:txBody>
+          <a:bodyPr wrap="square" lIns="0" tIns="0" rIns="0" bIns="0" rtlCol="0">
+            <a:spAutoFit/>
+          </a:bodyPr>
+          <a:lstStyle/>
+          <a:p>
+            <a:pPr algn="ctr">
+              <a:spcBef>
+                <a:spcPts val="432"/>
+              </a:spcBef>
+            </a:pPr>
+            <a:r>
+              <a:rPr lang="en-US" dirty="0">
+                <a:latin typeface="+mn-lt"/>
+              </a:rPr>
+              <a:t>Principal Component Analysis (PCA)</a:t>
+            </a:r>
+          </a:p>
+          <a:p>
+            <a:pPr algn="ctr">
+              <a:spcBef>
+                <a:spcPts val="432"/>
+              </a:spcBef>
+            </a:pPr>
+            <a:r>
+              <a:rPr lang="en-US" dirty="0">
+                <a:latin typeface="+mn-lt"/>
+              </a:rPr>
+              <a:t>t-distributed Stochastic Neighborhood Embedding (t-SNE)</a:t>
+            </a:r>
+            <a:endParaRPr lang="da-DK" dirty="0" err="1">
+              <a:latin typeface="+mn-lt"/>
+            </a:endParaRPr>
+          </a:p>
+        </p:txBody>
+      </p:sp>
+      <p:sp>
+        <p:nvSpPr>
+          <p:cNvPr id="13" name="TextBox 12">
+            <a:extLst>
+              <a:ext uri="{FF2B5EF4-FFF2-40B4-BE49-F238E27FC236}">
+                <a16:creationId xmlns:a16="http://schemas.microsoft.com/office/drawing/2014/main" id="{F7DE6A14-81F6-716C-F554-9B545D38C5F9}"/>
+              </a:ext>
+            </a:extLst>
+          </p:cNvPr>
+          <p:cNvSpPr txBox="1"/>
+          <p:nvPr/>
+        </p:nvSpPr>
+        <p:spPr>
+          <a:xfrm>
+            <a:off x="6430913" y="2852936"/>
+            <a:ext cx="4464496" cy="964367"/>
+          </a:xfrm>
+          <a:prstGeom prst="rect">
+            <a:avLst/>
+          </a:prstGeom>
+          <a:noFill/>
+        </p:spPr>
+        <p:txBody>
+          <a:bodyPr wrap="square" lIns="0" tIns="0" rIns="0" bIns="0" rtlCol="0">
+            <a:spAutoFit/>
+          </a:bodyPr>
+          <a:lstStyle/>
+          <a:p>
+            <a:pPr algn="l">
+              <a:spcBef>
+                <a:spcPts val="432"/>
+              </a:spcBef>
+            </a:pPr>
+            <a:r>
+              <a:rPr lang="en-US" sz="1400" dirty="0">
+                <a:latin typeface="+mn-lt"/>
+              </a:rPr>
+              <a:t>2 components for PCA and t-SNE</a:t>
+            </a:r>
+          </a:p>
+          <a:p>
+            <a:pPr algn="l">
+              <a:spcBef>
+                <a:spcPts val="432"/>
+              </a:spcBef>
+            </a:pPr>
+            <a:endParaRPr lang="en-US" sz="1400" dirty="0">
+              <a:latin typeface="+mn-lt"/>
+            </a:endParaRPr>
+          </a:p>
+          <a:p>
+            <a:pPr algn="l">
+              <a:spcBef>
+                <a:spcPts val="432"/>
+              </a:spcBef>
+            </a:pPr>
+            <a:r>
+              <a:rPr lang="en-US" sz="1400" dirty="0">
+                <a:latin typeface="+mn-lt"/>
+              </a:rPr>
+              <a:t>Hyperparameter </a:t>
+            </a:r>
+            <a:r>
+              <a:rPr lang="en-US" sz="1400" i="1" dirty="0">
+                <a:latin typeface="+mn-lt"/>
+              </a:rPr>
+              <a:t>perplexity</a:t>
+            </a:r>
+            <a:r>
+              <a:rPr lang="en-US" sz="1400" dirty="0">
+                <a:latin typeface="+mn-lt"/>
+              </a:rPr>
+              <a:t> of different values were investigated</a:t>
+            </a:r>
+          </a:p>
+        </p:txBody>
+      </p:sp>
     </p:spTree>
     <p:extLst>
       <p:ext uri="{BB962C8B-B14F-4D97-AF65-F5344CB8AC3E}">
-        <p14:creationId xmlns:p14="http://schemas.microsoft.com/office/powerpoint/2010/main" val="2810628170"/>
+        <p14:creationId xmlns:p14="http://schemas.microsoft.com/office/powerpoint/2010/main" val="3699959191"/>
       </p:ext>
     </p:extLst>
   </p:cSld>
@@ -11363,11 +14155,23 @@
 </file>
 
 <file path=customXml/item1.xml><?xml version="1.0" encoding="utf-8"?>
+<TemplafySlideTemplateConfiguration><![CDATA[{"documentContentValidatorConfiguration":{"enableDocumentContentValidator":false,"documentContentValidatorVersion":0},"elementsMetadata":[],"slideId":"636957681585124447","enableDocumentContentUpdater":true,"version":"1.2"}]]></TemplafySlideTemplateConfiguration>
+</file>
+
+<file path=customXml/item10.xml><?xml version="1.0" encoding="utf-8"?>
+<TemplafySlideFormConfiguration><![CDATA[{"formFields":[],"formDataEntries":[]}]]></TemplafySlideFormConfiguration>
+</file>
+
+<file path=customXml/item11.xml><?xml version="1.0" encoding="utf-8"?>
+<TemplafySlideTemplateConfiguration><![CDATA[{"documentContentValidatorConfiguration":{"enableDocumentContentValidator":false,"documentContentValidatorVersion":0},"elementsMetadata":[],"slideId":"636957681585013765","enableDocumentContentUpdater":true,"version":"1.2"}]]></TemplafySlideTemplateConfiguration>
+</file>
+
+<file path=customXml/item12.xml><?xml version="1.0" encoding="utf-8"?>
 <TemplafySlideTemplateConfiguration><![CDATA[{"documentContentValidatorConfiguration":{"enableDocumentContentValidator":false,"documentContentValidatorVersion":0},"elementsMetadata":[],"slideId":"636957681585013765","enableDocumentContentUpdater":true,"version":"1.2"}]]></TemplafySlideTemplateConfiguration>
 </file>
 
 <file path=customXml/item2.xml><?xml version="1.0" encoding="utf-8"?>
-<TemplafySlideTemplateConfiguration><![CDATA[{"documentContentValidatorConfiguration":{"enableDocumentContentValidator":false,"documentContentValidatorVersion":0},"elementsMetadata":[],"slideId":"636957681585124447","enableDocumentContentUpdater":true,"version":"1.2"}]]></TemplafySlideTemplateConfiguration>
+<TemplafySlideFormConfiguration><![CDATA[{"formFields":[],"formDataEntries":[]}]]></TemplafySlideFormConfiguration>
 </file>
 
 <file path=customXml/item3.xml><?xml version="1.0" encoding="utf-8"?>
@@ -11379,27 +14183,57 @@
 </file>
 
 <file path=customXml/item5.xml><?xml version="1.0" encoding="utf-8"?>
+<TemplafySlideTemplateConfiguration><![CDATA[{"documentContentValidatorConfiguration":{"enableDocumentContentValidator":false,"documentContentValidatorVersion":0},"elementsMetadata":[],"slideId":"636957681585013765","enableDocumentContentUpdater":true,"version":"1.2"}]]></TemplafySlideTemplateConfiguration>
+</file>
+
+<file path=customXml/item6.xml><?xml version="1.0" encoding="utf-8"?>
 <TemplafyFormConfiguration><![CDATA[{"formFields":[{"required":false,"helpTexts":{"prefix":"","postfix":""},"spacing":{},"type":"datePicker","name":"Date","label":"Date","fullyQualifiedName":"Date"},{"required":false,"placeholder":"","lines":0,"helpTexts":{"prefix":"","postfix":""},"spacing":{},"type":"textBox","name":"PresentationTitle","label":"Presentation title","fullyQualifiedName":"PresentationTitle"}],"formDataEntries":[{"name":"Date","value":"TMwxv76EOJdk0YMhzCYJAA=="}]}]]></TemplafyFormConfiguration>
 </file>
 
-<file path=customXml/item6.xml><?xml version="1.0" encoding="utf-8"?>
+<file path=customXml/item7.xml><?xml version="1.0" encoding="utf-8"?>
+<TemplafySlideFormConfiguration><![CDATA[{"formFields":[],"formDataEntries":[]}]]></TemplafySlideFormConfiguration>
+</file>
+
+<file path=customXml/item8.xml><?xml version="1.0" encoding="utf-8"?>
+<TemplafySlideTemplateConfiguration><![CDATA[{"documentContentValidatorConfiguration":{"enableDocumentContentValidator":false,"documentContentValidatorVersion":0},"elementsMetadata":[],"slideId":"636957681585013765","enableDocumentContentUpdater":true,"version":"1.2"}]]></TemplafySlideTemplateConfiguration>
+</file>
+
+<file path=customXml/item9.xml><?xml version="1.0" encoding="utf-8"?>
 <TemplafyTemplateConfiguration><![CDATA[{"elementsMetadata":[{"type":"shape","id":"bcaa6d52-323f-47fa-8dfc-5967564fa939","elementConfiguration":{"binding":"UserProfile.Offices.Workarea_{{DocumentLanguage}}","disableUpdates":false,"type":"text"}},{"type":"shape","id":"c74cff07-9f66-4e02-9d47-e039343c6b0f","elementConfiguration":{"format":"{{DateFormats.GeneralDate}}","binding":"Form.Date","disableUpdates":false,"type":"date"}},{"type":"shape","id":"6a5c6537-469a-48ca-9b6d-284c996c7a59","elementConfiguration":{"binding":"Form.PresentationTitle","disableUpdates":false,"type":"text"}}],"transformationConfigurations":[{"language":"{{DocumentLanguage}}","disableUpdates":false,"type":"proofingLanguage"}],"templateName":"","templateDescription":"","enableDocumentContentUpdater":true,"version":"1.2"}]]></TemplafyTemplateConfiguration>
 </file>
 
 <file path=customXml/itemProps1.xml><?xml version="1.0" encoding="utf-8"?>
+<ds:datastoreItem xmlns:ds="http://schemas.openxmlformats.org/officeDocument/2006/customXml" ds:itemID="{68A48CB6-BD0D-4923-9904-A1B6E74851B2}">
+  <ds:schemaRefs/>
+</ds:datastoreItem>
+</file>
+
+<file path=customXml/itemProps10.xml><?xml version="1.0" encoding="utf-8"?>
+<ds:datastoreItem xmlns:ds="http://schemas.openxmlformats.org/officeDocument/2006/customXml" ds:itemID="{8BDD5DAD-6B42-46BD-9E49-C64E517A1DAA}">
+  <ds:schemaRefs/>
+</ds:datastoreItem>
+</file>
+
+<file path=customXml/itemProps11.xml><?xml version="1.0" encoding="utf-8"?>
+<ds:datastoreItem xmlns:ds="http://schemas.openxmlformats.org/officeDocument/2006/customXml" ds:itemID="{FFD20E71-8DD3-4C0F-BAD4-A17BC62E4EED}">
+  <ds:schemaRefs/>
+</ds:datastoreItem>
+</file>
+
+<file path=customXml/itemProps12.xml><?xml version="1.0" encoding="utf-8"?>
 <ds:datastoreItem xmlns:ds="http://schemas.openxmlformats.org/officeDocument/2006/customXml" ds:itemID="{4D5E1A10-B5E6-482A-9521-846112537EBC}">
   <ds:schemaRefs/>
 </ds:datastoreItem>
 </file>
 
 <file path=customXml/itemProps2.xml><?xml version="1.0" encoding="utf-8"?>
-<ds:datastoreItem xmlns:ds="http://schemas.openxmlformats.org/officeDocument/2006/customXml" ds:itemID="{68A48CB6-BD0D-4923-9904-A1B6E74851B2}">
+<ds:datastoreItem xmlns:ds="http://schemas.openxmlformats.org/officeDocument/2006/customXml" ds:itemID="{7FEA1E6D-AEEC-41D9-9E9A-45BA2EAE1656}">
   <ds:schemaRefs/>
 </ds:datastoreItem>
 </file>
 
 <file path=customXml/itemProps3.xml><?xml version="1.0" encoding="utf-8"?>
-<ds:datastoreItem xmlns:ds="http://schemas.openxmlformats.org/officeDocument/2006/customXml" ds:itemID="{7FEA1E6D-AEEC-41D9-9E9A-45BA2EAE1656}">
+<ds:datastoreItem xmlns:ds="http://schemas.openxmlformats.org/officeDocument/2006/customXml" ds:itemID="{110A13B3-B4C9-45D5-85EC-8EACE404C955}">
   <ds:schemaRefs/>
 </ds:datastoreItem>
 </file>
@@ -11411,12 +14245,30 @@
 </file>
 
 <file path=customXml/itemProps5.xml><?xml version="1.0" encoding="utf-8"?>
+<ds:datastoreItem xmlns:ds="http://schemas.openxmlformats.org/officeDocument/2006/customXml" ds:itemID="{8B84F7FF-992E-47A4-A7CA-60CA82DD0FE7}">
+  <ds:schemaRefs/>
+</ds:datastoreItem>
+</file>
+
+<file path=customXml/itemProps6.xml><?xml version="1.0" encoding="utf-8"?>
 <ds:datastoreItem xmlns:ds="http://schemas.openxmlformats.org/officeDocument/2006/customXml" ds:itemID="{5B29B696-7354-412C-9B8E-ED20D22F6B23}">
   <ds:schemaRefs/>
 </ds:datastoreItem>
 </file>
 
-<file path=customXml/itemProps6.xml><?xml version="1.0" encoding="utf-8"?>
+<file path=customXml/itemProps7.xml><?xml version="1.0" encoding="utf-8"?>
+<ds:datastoreItem xmlns:ds="http://schemas.openxmlformats.org/officeDocument/2006/customXml" ds:itemID="{947BD383-5AD6-4EE5-9CA0-05A72ACC543E}">
+  <ds:schemaRefs/>
+</ds:datastoreItem>
+</file>
+
+<file path=customXml/itemProps8.xml><?xml version="1.0" encoding="utf-8"?>
+<ds:datastoreItem xmlns:ds="http://schemas.openxmlformats.org/officeDocument/2006/customXml" ds:itemID="{52F39D9C-5D9E-44D5-9B2F-59F9FB3BF94A}">
+  <ds:schemaRefs/>
+</ds:datastoreItem>
+</file>
+
+<file path=customXml/itemProps9.xml><?xml version="1.0" encoding="utf-8"?>
 <ds:datastoreItem xmlns:ds="http://schemas.openxmlformats.org/officeDocument/2006/customXml" ds:itemID="{1334258C-C3E7-4029-A615-C886A240FB15}">
   <ds:schemaRefs/>
 </ds:datastoreItem>

--- a/papers/BSc_Presentation.pptx
+++ b/papers/BSc_Presentation.pptx
@@ -11153,7 +11153,37 @@
                 <a:latin typeface="Times New Roman" panose="02020603050405020304" pitchFamily="18" charset="0"/>
                 <a:cs typeface="Times New Roman" panose="02020603050405020304" pitchFamily="18" charset="0"/>
               </a:rPr>
-              <a:t>The paper investigates the five frequency bands for EEG with different wavelet families and selects different statistical features of the bands for binary classification</a:t>
+              <a:t>Five frequency bands for EEG </a:t>
+            </a:r>
+          </a:p>
+          <a:p>
+            <a:pPr lvl="1"/>
+            <a:r>
+              <a:rPr lang="en-AU" dirty="0">
+                <a:latin typeface="Times New Roman" panose="02020603050405020304" pitchFamily="18" charset="0"/>
+                <a:cs typeface="Times New Roman" panose="02020603050405020304" pitchFamily="18" charset="0"/>
+              </a:rPr>
+              <a:t>different wavelet families </a:t>
+            </a:r>
+          </a:p>
+          <a:p>
+            <a:pPr lvl="1"/>
+            <a:r>
+              <a:rPr lang="en-AU" dirty="0">
+                <a:latin typeface="Times New Roman" panose="02020603050405020304" pitchFamily="18" charset="0"/>
+                <a:cs typeface="Times New Roman" panose="02020603050405020304" pitchFamily="18" charset="0"/>
+              </a:rPr>
+              <a:t>different statistical features</a:t>
+            </a:r>
+          </a:p>
+          <a:p>
+            <a:pPr lvl="1"/>
+            <a:r>
+              <a:rPr lang="en-AU" dirty="0">
+                <a:latin typeface="Times New Roman" panose="02020603050405020304" pitchFamily="18" charset="0"/>
+                <a:cs typeface="Times New Roman" panose="02020603050405020304" pitchFamily="18" charset="0"/>
+              </a:rPr>
+              <a:t>binary classification</a:t>
             </a:r>
           </a:p>
           <a:p>
@@ -14155,19 +14185,19 @@
 </file>
 
 <file path=customXml/item1.xml><?xml version="1.0" encoding="utf-8"?>
-<TemplafySlideTemplateConfiguration><![CDATA[{"documentContentValidatorConfiguration":{"enableDocumentContentValidator":false,"documentContentValidatorVersion":0},"elementsMetadata":[],"slideId":"636957681585124447","enableDocumentContentUpdater":true,"version":"1.2"}]]></TemplafySlideTemplateConfiguration>
+<TemplafySlideTemplateConfiguration><![CDATA[{"documentContentValidatorConfiguration":{"enableDocumentContentValidator":false,"documentContentValidatorVersion":0},"elementsMetadata":[],"slideId":"636957681585013765","enableDocumentContentUpdater":true,"version":"1.2"}]]></TemplafySlideTemplateConfiguration>
 </file>
 
 <file path=customXml/item10.xml><?xml version="1.0" encoding="utf-8"?>
+<TemplafySlideTemplateConfiguration><![CDATA[{"documentContentValidatorConfiguration":{"enableDocumentContentValidator":false,"documentContentValidatorVersion":0},"elementsMetadata":[],"slideId":"636957681585013765","enableDocumentContentUpdater":true,"version":"1.2"}]]></TemplafySlideTemplateConfiguration>
+</file>
+
+<file path=customXml/item11.xml><?xml version="1.0" encoding="utf-8"?>
 <TemplafySlideFormConfiguration><![CDATA[{"formFields":[],"formDataEntries":[]}]]></TemplafySlideFormConfiguration>
 </file>
 
-<file path=customXml/item11.xml><?xml version="1.0" encoding="utf-8"?>
-<TemplafySlideTemplateConfiguration><![CDATA[{"documentContentValidatorConfiguration":{"enableDocumentContentValidator":false,"documentContentValidatorVersion":0},"elementsMetadata":[],"slideId":"636957681585013765","enableDocumentContentUpdater":true,"version":"1.2"}]]></TemplafySlideTemplateConfiguration>
-</file>
-
 <file path=customXml/item12.xml><?xml version="1.0" encoding="utf-8"?>
-<TemplafySlideTemplateConfiguration><![CDATA[{"documentContentValidatorConfiguration":{"enableDocumentContentValidator":false,"documentContentValidatorVersion":0},"elementsMetadata":[],"slideId":"636957681585013765","enableDocumentContentUpdater":true,"version":"1.2"}]]></TemplafySlideTemplateConfiguration>
+<TemplafySlideFormConfiguration><![CDATA[{"formFields":[],"formDataEntries":[]}]]></TemplafySlideFormConfiguration>
 </file>
 
 <file path=customXml/item2.xml><?xml version="1.0" encoding="utf-8"?>
@@ -14175,11 +14205,11 @@
 </file>
 
 <file path=customXml/item3.xml><?xml version="1.0" encoding="utf-8"?>
-<TemplafySlideFormConfiguration><![CDATA[{"formFields":[],"formDataEntries":[]}]]></TemplafySlideFormConfiguration>
+<TemplafySlideTemplateConfiguration><![CDATA[{"documentContentValidatorConfiguration":{"enableDocumentContentValidator":false,"documentContentValidatorVersion":0},"elementsMetadata":[],"slideId":"636957681585124447","enableDocumentContentUpdater":true,"version":"1.2"}]]></TemplafySlideTemplateConfiguration>
 </file>
 
 <file path=customXml/item4.xml><?xml version="1.0" encoding="utf-8"?>
-<TemplafySlideFormConfiguration><![CDATA[{"formFields":[],"formDataEntries":[]}]]></TemplafySlideFormConfiguration>
+<TemplafyFormConfiguration><![CDATA[{"formFields":[{"required":false,"helpTexts":{"prefix":"","postfix":""},"spacing":{},"type":"datePicker","name":"Date","label":"Date","fullyQualifiedName":"Date"},{"required":false,"placeholder":"","lines":0,"helpTexts":{"prefix":"","postfix":""},"spacing":{},"type":"textBox","name":"PresentationTitle","label":"Presentation title","fullyQualifiedName":"PresentationTitle"}],"formDataEntries":[{"name":"Date","value":"TMwxv76EOJdk0YMhzCYJAA=="}]}]]></TemplafyFormConfiguration>
 </file>
 
 <file path=customXml/item5.xml><?xml version="1.0" encoding="utf-8"?>
@@ -14187,7 +14217,7 @@
 </file>
 
 <file path=customXml/item6.xml><?xml version="1.0" encoding="utf-8"?>
-<TemplafyFormConfiguration><![CDATA[{"formFields":[{"required":false,"helpTexts":{"prefix":"","postfix":""},"spacing":{},"type":"datePicker","name":"Date","label":"Date","fullyQualifiedName":"Date"},{"required":false,"placeholder":"","lines":0,"helpTexts":{"prefix":"","postfix":""},"spacing":{},"type":"textBox","name":"PresentationTitle","label":"Presentation title","fullyQualifiedName":"PresentationTitle"}],"formDataEntries":[{"name":"Date","value":"TMwxv76EOJdk0YMhzCYJAA=="}]}]]></TemplafyFormConfiguration>
+<TemplafySlideTemplateConfiguration><![CDATA[{"documentContentValidatorConfiguration":{"enableDocumentContentValidator":false,"documentContentValidatorVersion":0},"elementsMetadata":[],"slideId":"636957681585013765","enableDocumentContentUpdater":true,"version":"1.2"}]]></TemplafySlideTemplateConfiguration>
 </file>
 
 <file path=customXml/item7.xml><?xml version="1.0" encoding="utf-8"?>
@@ -14195,7 +14225,7 @@
 </file>
 
 <file path=customXml/item8.xml><?xml version="1.0" encoding="utf-8"?>
-<TemplafySlideTemplateConfiguration><![CDATA[{"documentContentValidatorConfiguration":{"enableDocumentContentValidator":false,"documentContentValidatorVersion":0},"elementsMetadata":[],"slideId":"636957681585013765","enableDocumentContentUpdater":true,"version":"1.2"}]]></TemplafySlideTemplateConfiguration>
+<TemplafySlideFormConfiguration><![CDATA[{"formFields":[],"formDataEntries":[]}]]></TemplafySlideFormConfiguration>
 </file>
 
 <file path=customXml/item9.xml><?xml version="1.0" encoding="utf-8"?>
@@ -14203,25 +14233,25 @@
 </file>
 
 <file path=customXml/itemProps1.xml><?xml version="1.0" encoding="utf-8"?>
-<ds:datastoreItem xmlns:ds="http://schemas.openxmlformats.org/officeDocument/2006/customXml" ds:itemID="{68A48CB6-BD0D-4923-9904-A1B6E74851B2}">
+<ds:datastoreItem xmlns:ds="http://schemas.openxmlformats.org/officeDocument/2006/customXml" ds:itemID="{4D5E1A10-B5E6-482A-9521-846112537EBC}">
   <ds:schemaRefs/>
 </ds:datastoreItem>
 </file>
 
 <file path=customXml/itemProps10.xml><?xml version="1.0" encoding="utf-8"?>
-<ds:datastoreItem xmlns:ds="http://schemas.openxmlformats.org/officeDocument/2006/customXml" ds:itemID="{8BDD5DAD-6B42-46BD-9E49-C64E517A1DAA}">
+<ds:datastoreItem xmlns:ds="http://schemas.openxmlformats.org/officeDocument/2006/customXml" ds:itemID="{52F39D9C-5D9E-44D5-9B2F-59F9FB3BF94A}">
   <ds:schemaRefs/>
 </ds:datastoreItem>
 </file>
 
 <file path=customXml/itemProps11.xml><?xml version="1.0" encoding="utf-8"?>
-<ds:datastoreItem xmlns:ds="http://schemas.openxmlformats.org/officeDocument/2006/customXml" ds:itemID="{FFD20E71-8DD3-4C0F-BAD4-A17BC62E4EED}">
+<ds:datastoreItem xmlns:ds="http://schemas.openxmlformats.org/officeDocument/2006/customXml" ds:itemID="{110A13B3-B4C9-45D5-85EC-8EACE404C955}">
   <ds:schemaRefs/>
 </ds:datastoreItem>
 </file>
 
 <file path=customXml/itemProps12.xml><?xml version="1.0" encoding="utf-8"?>
-<ds:datastoreItem xmlns:ds="http://schemas.openxmlformats.org/officeDocument/2006/customXml" ds:itemID="{4D5E1A10-B5E6-482A-9521-846112537EBC}">
+<ds:datastoreItem xmlns:ds="http://schemas.openxmlformats.org/officeDocument/2006/customXml" ds:itemID="{947BD383-5AD6-4EE5-9CA0-05A72ACC543E}">
   <ds:schemaRefs/>
 </ds:datastoreItem>
 </file>
@@ -14233,37 +14263,37 @@
 </file>
 
 <file path=customXml/itemProps3.xml><?xml version="1.0" encoding="utf-8"?>
-<ds:datastoreItem xmlns:ds="http://schemas.openxmlformats.org/officeDocument/2006/customXml" ds:itemID="{110A13B3-B4C9-45D5-85EC-8EACE404C955}">
+<ds:datastoreItem xmlns:ds="http://schemas.openxmlformats.org/officeDocument/2006/customXml" ds:itemID="{68A48CB6-BD0D-4923-9904-A1B6E74851B2}">
   <ds:schemaRefs/>
 </ds:datastoreItem>
 </file>
 
 <file path=customXml/itemProps4.xml><?xml version="1.0" encoding="utf-8"?>
-<ds:datastoreItem xmlns:ds="http://schemas.openxmlformats.org/officeDocument/2006/customXml" ds:itemID="{C6406FEB-B081-4DE3-B790-BA4B3B8258E1}">
+<ds:datastoreItem xmlns:ds="http://schemas.openxmlformats.org/officeDocument/2006/customXml" ds:itemID="{5B29B696-7354-412C-9B8E-ED20D22F6B23}">
   <ds:schemaRefs/>
 </ds:datastoreItem>
 </file>
 
 <file path=customXml/itemProps5.xml><?xml version="1.0" encoding="utf-8"?>
+<ds:datastoreItem xmlns:ds="http://schemas.openxmlformats.org/officeDocument/2006/customXml" ds:itemID="{FFD20E71-8DD3-4C0F-BAD4-A17BC62E4EED}">
+  <ds:schemaRefs/>
+</ds:datastoreItem>
+</file>
+
+<file path=customXml/itemProps6.xml><?xml version="1.0" encoding="utf-8"?>
 <ds:datastoreItem xmlns:ds="http://schemas.openxmlformats.org/officeDocument/2006/customXml" ds:itemID="{8B84F7FF-992E-47A4-A7CA-60CA82DD0FE7}">
   <ds:schemaRefs/>
 </ds:datastoreItem>
 </file>
 
-<file path=customXml/itemProps6.xml><?xml version="1.0" encoding="utf-8"?>
-<ds:datastoreItem xmlns:ds="http://schemas.openxmlformats.org/officeDocument/2006/customXml" ds:itemID="{5B29B696-7354-412C-9B8E-ED20D22F6B23}">
-  <ds:schemaRefs/>
-</ds:datastoreItem>
-</file>
-
 <file path=customXml/itemProps7.xml><?xml version="1.0" encoding="utf-8"?>
-<ds:datastoreItem xmlns:ds="http://schemas.openxmlformats.org/officeDocument/2006/customXml" ds:itemID="{947BD383-5AD6-4EE5-9CA0-05A72ACC543E}">
+<ds:datastoreItem xmlns:ds="http://schemas.openxmlformats.org/officeDocument/2006/customXml" ds:itemID="{8BDD5DAD-6B42-46BD-9E49-C64E517A1DAA}">
   <ds:schemaRefs/>
 </ds:datastoreItem>
 </file>
 
 <file path=customXml/itemProps8.xml><?xml version="1.0" encoding="utf-8"?>
-<ds:datastoreItem xmlns:ds="http://schemas.openxmlformats.org/officeDocument/2006/customXml" ds:itemID="{52F39D9C-5D9E-44D5-9B2F-59F9FB3BF94A}">
+<ds:datastoreItem xmlns:ds="http://schemas.openxmlformats.org/officeDocument/2006/customXml" ds:itemID="{C6406FEB-B081-4DE3-B790-BA4B3B8258E1}">
   <ds:schemaRefs/>
 </ds:datastoreItem>
 </file>
